--- a/docs/Introduction_To_Microservices_Part_2_boot.pptx
+++ b/docs/Introduction_To_Microservices_Part_2_boot.pptx
@@ -5,7 +5,7 @@
     <p:sldMasterId id="2147483648" r:id="rId1"/>
   </p:sldMasterIdLst>
   <p:notesMasterIdLst>
-    <p:notesMasterId r:id="rId19"/>
+    <p:notesMasterId r:id="rId22"/>
   </p:notesMasterIdLst>
   <p:sldIdLst>
     <p:sldId id="256" r:id="rId2"/>
@@ -25,6 +25,9 @@
     <p:sldId id="263" r:id="rId16"/>
     <p:sldId id="271" r:id="rId17"/>
     <p:sldId id="272" r:id="rId18"/>
+    <p:sldId id="285" r:id="rId19"/>
+    <p:sldId id="284" r:id="rId20"/>
+    <p:sldId id="283" r:id="rId21"/>
   </p:sldIdLst>
   <p:sldSz cx="12192000" cy="6858000"/>
   <p:notesSz cx="6858000" cy="9144000"/>
@@ -8246,7 +8249,7 @@
           <a:p>
             <a:r>
               <a:rPr lang="en-US" dirty="0"/>
-              <a:t>In REST applications controllers are responsible of request mapping</a:t>
+              <a:t>In REST applications controllers are responsible of request mapping. Controllers are by default singletons and should be stateless!</a:t>
             </a:r>
           </a:p>
           <a:p>
@@ -9842,6 +9845,275 @@
 </p:sld>
 </file>
 
+<file path=ppt/slides/slide18.xml><?xml version="1.0" encoding="utf-8"?>
+<p:sld xmlns:a="http://schemas.openxmlformats.org/drawingml/2006/main" xmlns:r="http://schemas.openxmlformats.org/officeDocument/2006/relationships" xmlns:p="http://schemas.openxmlformats.org/presentationml/2006/main">
+  <p:cSld>
+    <p:spTree>
+      <p:nvGrpSpPr>
+        <p:cNvPr id="1" name=""/>
+        <p:cNvGrpSpPr/>
+        <p:nvPr/>
+      </p:nvGrpSpPr>
+      <p:grpSpPr>
+        <a:xfrm>
+          <a:off x="0" y="0"/>
+          <a:ext cx="0" cy="0"/>
+          <a:chOff x="0" y="0"/>
+          <a:chExt cx="0" cy="0"/>
+        </a:xfrm>
+      </p:grpSpPr>
+      <p:sp>
+        <p:nvSpPr>
+          <p:cNvPr id="2" name="Title 1">
+            <a:extLst>
+              <a:ext uri="{FF2B5EF4-FFF2-40B4-BE49-F238E27FC236}">
+                <a16:creationId xmlns:a16="http://schemas.microsoft.com/office/drawing/2014/main" id="{ABE887BB-98D1-4CED-A99D-ED9C1A902C15}"/>
+              </a:ext>
+            </a:extLst>
+          </p:cNvPr>
+          <p:cNvSpPr>
+            <a:spLocks noGrp="1"/>
+          </p:cNvSpPr>
+          <p:nvPr>
+            <p:ph type="title"/>
+          </p:nvPr>
+        </p:nvSpPr>
+        <p:spPr/>
+        <p:txBody>
+          <a:bodyPr/>
+          <a:lstStyle/>
+          <a:p>
+            <a:r>
+              <a:rPr lang="en-US" dirty="0"/>
+              <a:t>Actuator</a:t>
+            </a:r>
+          </a:p>
+        </p:txBody>
+      </p:sp>
+      <p:pic>
+        <p:nvPicPr>
+          <p:cNvPr id="4" name="Content Placeholder 3">
+            <a:extLst>
+              <a:ext uri="{FF2B5EF4-FFF2-40B4-BE49-F238E27FC236}">
+                <a16:creationId xmlns:a16="http://schemas.microsoft.com/office/drawing/2014/main" id="{1A0803BB-FC91-4B3D-B92A-DBBD75F7D9AD}"/>
+              </a:ext>
+            </a:extLst>
+          </p:cNvPr>
+          <p:cNvPicPr>
+            <a:picLocks noGrp="1" noChangeAspect="1"/>
+          </p:cNvPicPr>
+          <p:nvPr>
+            <p:ph idx="1"/>
+          </p:nvPr>
+        </p:nvPicPr>
+        <p:blipFill>
+          <a:blip r:embed="rId2"/>
+          <a:stretch>
+            <a:fillRect/>
+          </a:stretch>
+        </p:blipFill>
+        <p:spPr>
+          <a:xfrm>
+            <a:off x="338324" y="1930400"/>
+            <a:ext cx="3784817" cy="2603429"/>
+          </a:xfrm>
+          <a:prstGeom prst="rect">
+            <a:avLst/>
+          </a:prstGeom>
+        </p:spPr>
+      </p:pic>
+      <p:pic>
+        <p:nvPicPr>
+          <p:cNvPr id="7" name="Picture 6">
+            <a:extLst>
+              <a:ext uri="{FF2B5EF4-FFF2-40B4-BE49-F238E27FC236}">
+                <a16:creationId xmlns:a16="http://schemas.microsoft.com/office/drawing/2014/main" id="{717F4F32-0679-4AB3-BD66-F826AA30B372}"/>
+              </a:ext>
+            </a:extLst>
+          </p:cNvPr>
+          <p:cNvPicPr>
+            <a:picLocks noChangeAspect="1"/>
+          </p:cNvPicPr>
+          <p:nvPr/>
+        </p:nvPicPr>
+        <p:blipFill>
+          <a:blip r:embed="rId3"/>
+          <a:stretch>
+            <a:fillRect/>
+          </a:stretch>
+        </p:blipFill>
+        <p:spPr>
+          <a:xfrm>
+            <a:off x="4975668" y="434109"/>
+            <a:ext cx="3214255" cy="5444836"/>
+          </a:xfrm>
+          <a:prstGeom prst="rect">
+            <a:avLst/>
+          </a:prstGeom>
+        </p:spPr>
+      </p:pic>
+      <p:pic>
+        <p:nvPicPr>
+          <p:cNvPr id="8" name="Picture 7">
+            <a:extLst>
+              <a:ext uri="{FF2B5EF4-FFF2-40B4-BE49-F238E27FC236}">
+                <a16:creationId xmlns:a16="http://schemas.microsoft.com/office/drawing/2014/main" id="{D5EE05B7-1840-4F41-AE6E-312560ECD2AE}"/>
+              </a:ext>
+            </a:extLst>
+          </p:cNvPr>
+          <p:cNvPicPr>
+            <a:picLocks noChangeAspect="1"/>
+          </p:cNvPicPr>
+          <p:nvPr/>
+        </p:nvPicPr>
+        <p:blipFill>
+          <a:blip r:embed="rId4"/>
+          <a:stretch>
+            <a:fillRect/>
+          </a:stretch>
+        </p:blipFill>
+        <p:spPr>
+          <a:xfrm>
+            <a:off x="8280400" y="1505527"/>
+            <a:ext cx="3247310" cy="3976110"/>
+          </a:xfrm>
+          <a:prstGeom prst="rect">
+            <a:avLst/>
+          </a:prstGeom>
+        </p:spPr>
+      </p:pic>
+    </p:spTree>
+    <p:extLst>
+      <p:ext uri="{BB962C8B-B14F-4D97-AF65-F5344CB8AC3E}">
+        <p14:creationId xmlns:p14="http://schemas.microsoft.com/office/powerpoint/2010/main" val="4154602147"/>
+      </p:ext>
+    </p:extLst>
+  </p:cSld>
+  <p:clrMapOvr>
+    <a:masterClrMapping/>
+  </p:clrMapOvr>
+</p:sld>
+</file>
+
+<file path=ppt/slides/slide19.xml><?xml version="1.0" encoding="utf-8"?>
+<p:sld xmlns:a="http://schemas.openxmlformats.org/drawingml/2006/main" xmlns:r="http://schemas.openxmlformats.org/officeDocument/2006/relationships" xmlns:p="http://schemas.openxmlformats.org/presentationml/2006/main">
+  <p:cSld>
+    <p:spTree>
+      <p:nvGrpSpPr>
+        <p:cNvPr id="1" name=""/>
+        <p:cNvGrpSpPr/>
+        <p:nvPr/>
+      </p:nvGrpSpPr>
+      <p:grpSpPr>
+        <a:xfrm>
+          <a:off x="0" y="0"/>
+          <a:ext cx="0" cy="0"/>
+          <a:chOff x="0" y="0"/>
+          <a:chExt cx="0" cy="0"/>
+        </a:xfrm>
+      </p:grpSpPr>
+      <p:sp>
+        <p:nvSpPr>
+          <p:cNvPr id="2" name="Title 1">
+            <a:extLst>
+              <a:ext uri="{FF2B5EF4-FFF2-40B4-BE49-F238E27FC236}">
+                <a16:creationId xmlns:a16="http://schemas.microsoft.com/office/drawing/2014/main" id="{212A6730-5296-4FC4-BDFC-A4FA36C3F543}"/>
+              </a:ext>
+            </a:extLst>
+          </p:cNvPr>
+          <p:cNvSpPr>
+            <a:spLocks noGrp="1"/>
+          </p:cNvSpPr>
+          <p:nvPr>
+            <p:ph type="title"/>
+          </p:nvPr>
+        </p:nvSpPr>
+        <p:spPr/>
+        <p:txBody>
+          <a:bodyPr/>
+          <a:lstStyle/>
+          <a:p>
+            <a:r>
+              <a:rPr lang="en-US" dirty="0"/>
+              <a:t>Unit Tests</a:t>
+            </a:r>
+          </a:p>
+        </p:txBody>
+      </p:sp>
+      <p:sp>
+        <p:nvSpPr>
+          <p:cNvPr id="3" name="Content Placeholder 2">
+            <a:extLst>
+              <a:ext uri="{FF2B5EF4-FFF2-40B4-BE49-F238E27FC236}">
+                <a16:creationId xmlns:a16="http://schemas.microsoft.com/office/drawing/2014/main" id="{7BA974A3-1D19-4E8E-B316-C120725102A7}"/>
+              </a:ext>
+            </a:extLst>
+          </p:cNvPr>
+          <p:cNvSpPr>
+            <a:spLocks noGrp="1"/>
+          </p:cNvSpPr>
+          <p:nvPr>
+            <p:ph idx="1"/>
+          </p:nvPr>
+        </p:nvSpPr>
+        <p:spPr/>
+        <p:txBody>
+          <a:bodyPr/>
+          <a:lstStyle/>
+          <a:p>
+            <a:r>
+              <a:rPr lang="en-US" dirty="0"/>
+              <a:t>TODO</a:t>
+            </a:r>
+          </a:p>
+          <a:p>
+            <a:endParaRPr lang="en-US" dirty="0"/>
+          </a:p>
+        </p:txBody>
+      </p:sp>
+      <p:pic>
+        <p:nvPicPr>
+          <p:cNvPr id="4" name="Picture 3">
+            <a:extLst>
+              <a:ext uri="{FF2B5EF4-FFF2-40B4-BE49-F238E27FC236}">
+                <a16:creationId xmlns:a16="http://schemas.microsoft.com/office/drawing/2014/main" id="{CBF3C293-699A-4BDD-BC96-2728AB3E59AA}"/>
+              </a:ext>
+            </a:extLst>
+          </p:cNvPr>
+          <p:cNvPicPr>
+            <a:picLocks noChangeAspect="1"/>
+          </p:cNvPicPr>
+          <p:nvPr/>
+        </p:nvPicPr>
+        <p:blipFill>
+          <a:blip r:embed="rId2"/>
+          <a:stretch>
+            <a:fillRect/>
+          </a:stretch>
+        </p:blipFill>
+        <p:spPr>
+          <a:xfrm>
+            <a:off x="3657600" y="2276937"/>
+            <a:ext cx="4876800" cy="3648075"/>
+          </a:xfrm>
+          <a:prstGeom prst="rect">
+            <a:avLst/>
+          </a:prstGeom>
+        </p:spPr>
+      </p:pic>
+    </p:spTree>
+    <p:extLst>
+      <p:ext uri="{BB962C8B-B14F-4D97-AF65-F5344CB8AC3E}">
+        <p14:creationId xmlns:p14="http://schemas.microsoft.com/office/powerpoint/2010/main" val="833500454"/>
+      </p:ext>
+    </p:extLst>
+  </p:cSld>
+  <p:clrMapOvr>
+    <a:masterClrMapping/>
+  </p:clrMapOvr>
+</p:sld>
+</file>
+
 <file path=ppt/slides/slide2.xml><?xml version="1.0" encoding="utf-8"?>
 <p:sld xmlns:a="http://schemas.openxmlformats.org/drawingml/2006/main" xmlns:r="http://schemas.openxmlformats.org/officeDocument/2006/relationships" xmlns:p="http://schemas.openxmlformats.org/presentationml/2006/main">
   <p:cSld>
@@ -10031,6 +10303,145 @@
     <p:extLst>
       <p:ext uri="{BB962C8B-B14F-4D97-AF65-F5344CB8AC3E}">
         <p14:creationId xmlns:p14="http://schemas.microsoft.com/office/powerpoint/2010/main" val="968158582"/>
+      </p:ext>
+    </p:extLst>
+  </p:cSld>
+  <p:clrMapOvr>
+    <a:masterClrMapping/>
+  </p:clrMapOvr>
+</p:sld>
+</file>
+
+<file path=ppt/slides/slide20.xml><?xml version="1.0" encoding="utf-8"?>
+<p:sld xmlns:a="http://schemas.openxmlformats.org/drawingml/2006/main" xmlns:r="http://schemas.openxmlformats.org/officeDocument/2006/relationships" xmlns:p="http://schemas.openxmlformats.org/presentationml/2006/main">
+  <p:cSld>
+    <p:spTree>
+      <p:nvGrpSpPr>
+        <p:cNvPr id="1" name=""/>
+        <p:cNvGrpSpPr/>
+        <p:nvPr/>
+      </p:nvGrpSpPr>
+      <p:grpSpPr>
+        <a:xfrm>
+          <a:off x="0" y="0"/>
+          <a:ext cx="0" cy="0"/>
+          <a:chOff x="0" y="0"/>
+          <a:chExt cx="0" cy="0"/>
+        </a:xfrm>
+      </p:grpSpPr>
+      <p:sp>
+        <p:nvSpPr>
+          <p:cNvPr id="2" name="Title 1">
+            <a:extLst>
+              <a:ext uri="{FF2B5EF4-FFF2-40B4-BE49-F238E27FC236}">
+                <a16:creationId xmlns:a16="http://schemas.microsoft.com/office/drawing/2014/main" id="{209F2BA3-9F84-4636-8D52-44D8D91F8520}"/>
+              </a:ext>
+            </a:extLst>
+          </p:cNvPr>
+          <p:cNvSpPr>
+            <a:spLocks noGrp="1"/>
+          </p:cNvSpPr>
+          <p:nvPr>
+            <p:ph type="title"/>
+          </p:nvPr>
+        </p:nvSpPr>
+        <p:spPr/>
+        <p:txBody>
+          <a:bodyPr/>
+          <a:lstStyle/>
+          <a:p>
+            <a:r>
+              <a:rPr lang="en-US" dirty="0"/>
+              <a:t>Best Practices</a:t>
+            </a:r>
+          </a:p>
+        </p:txBody>
+      </p:sp>
+      <p:sp>
+        <p:nvSpPr>
+          <p:cNvPr id="3" name="Content Placeholder 2">
+            <a:extLst>
+              <a:ext uri="{FF2B5EF4-FFF2-40B4-BE49-F238E27FC236}">
+                <a16:creationId xmlns:a16="http://schemas.microsoft.com/office/drawing/2014/main" id="{07C12C18-99A0-4498-BEC7-08C4E4B09C59}"/>
+              </a:ext>
+            </a:extLst>
+          </p:cNvPr>
+          <p:cNvSpPr>
+            <a:spLocks noGrp="1"/>
+          </p:cNvSpPr>
+          <p:nvPr>
+            <p:ph idx="1"/>
+          </p:nvPr>
+        </p:nvSpPr>
+        <p:spPr/>
+        <p:txBody>
+          <a:bodyPr>
+            <a:normAutofit lnSpcReduction="10000"/>
+          </a:bodyPr>
+          <a:lstStyle/>
+          <a:p>
+            <a:r>
+              <a:rPr lang="en-US" b="1" dirty="0"/>
+              <a:t>Make your database a detail – abstract it  from the core logic: </a:t>
+            </a:r>
+            <a:r>
+              <a:rPr lang="en-US" dirty="0"/>
+              <a:t>Database logic should be abstracted away from the Service. Ideally, you don’t want a Service to know what database it is talking to.</a:t>
+            </a:r>
+          </a:p>
+          <a:p>
+            <a:r>
+              <a:rPr lang="en-US" b="1" dirty="0"/>
+              <a:t>Keep your business logic free of Spring Boot code: </a:t>
+            </a:r>
+            <a:r>
+              <a:rPr lang="en-US" dirty="0"/>
+              <a:t>With the lessons from the “Clear Architecture” in mind, you should also protect your business logic. It is common for services to become libraries. These are much easier to create if you don’t have to remove a lot of Spring annotations from your code.</a:t>
+            </a:r>
+          </a:p>
+          <a:p>
+            <a:r>
+              <a:rPr lang="en-US" b="1" dirty="0"/>
+              <a:t>Constructor Injection: </a:t>
+            </a:r>
+            <a:r>
+              <a:rPr lang="en-US" dirty="0"/>
+              <a:t>One way to keep your business logic free from Spring Boot code is to rely on Constructor Injection. Not only is the </a:t>
+            </a:r>
+            <a:r>
+              <a:rPr lang="en-US" i="1" dirty="0"/>
+              <a:t>@</a:t>
+            </a:r>
+            <a:r>
+              <a:rPr lang="en-US" i="1" dirty="0" err="1"/>
+              <a:t>Autowired</a:t>
+            </a:r>
+            <a:r>
+              <a:rPr lang="en-US" dirty="0"/>
+              <a:t> annotation optional on constructors, you also get the benefit of being able to easily instantiate your bean without Spring.</a:t>
+            </a:r>
+          </a:p>
+          <a:p>
+            <a:r>
+              <a:rPr lang="en-US" dirty="0"/>
+              <a:t>In Spring Boot- Controllers and Services are by default Singletons. That introduces possible concurrency problems if you are not careful. </a:t>
+            </a:r>
+          </a:p>
+          <a:p>
+            <a:endParaRPr lang="en-US" b="1" dirty="0"/>
+          </a:p>
+          <a:p>
+            <a:pPr marL="0" indent="0">
+              <a:buNone/>
+            </a:pPr>
+            <a:endParaRPr lang="en-US" dirty="0"/>
+          </a:p>
+        </p:txBody>
+      </p:sp>
+    </p:spTree>
+    <p:extLst>
+      <p:ext uri="{BB962C8B-B14F-4D97-AF65-F5344CB8AC3E}">
+        <p14:creationId xmlns:p14="http://schemas.microsoft.com/office/powerpoint/2010/main" val="91602821"/>
       </p:ext>
     </p:extLst>
   </p:cSld>

--- a/docs/Introduction_To_Microservices_Part_2_boot.pptx
+++ b/docs/Introduction_To_Microservices_Part_2_boot.pptx
@@ -5,7 +5,7 @@
     <p:sldMasterId id="2147483648" r:id="rId1"/>
   </p:sldMasterIdLst>
   <p:notesMasterIdLst>
-    <p:notesMasterId r:id="rId22"/>
+    <p:notesMasterId r:id="rId24"/>
   </p:notesMasterIdLst>
   <p:sldIdLst>
     <p:sldId id="256" r:id="rId2"/>
@@ -16,18 +16,20 @@
     <p:sldId id="278" r:id="rId7"/>
     <p:sldId id="279" r:id="rId8"/>
     <p:sldId id="281" r:id="rId9"/>
-    <p:sldId id="280" r:id="rId10"/>
-    <p:sldId id="260" r:id="rId11"/>
-    <p:sldId id="269" r:id="rId12"/>
-    <p:sldId id="265" r:id="rId13"/>
-    <p:sldId id="282" r:id="rId14"/>
-    <p:sldId id="274" r:id="rId15"/>
-    <p:sldId id="263" r:id="rId16"/>
-    <p:sldId id="271" r:id="rId17"/>
-    <p:sldId id="272" r:id="rId18"/>
-    <p:sldId id="285" r:id="rId19"/>
-    <p:sldId id="284" r:id="rId20"/>
-    <p:sldId id="283" r:id="rId21"/>
+    <p:sldId id="286" r:id="rId10"/>
+    <p:sldId id="280" r:id="rId11"/>
+    <p:sldId id="260" r:id="rId12"/>
+    <p:sldId id="269" r:id="rId13"/>
+    <p:sldId id="265" r:id="rId14"/>
+    <p:sldId id="282" r:id="rId15"/>
+    <p:sldId id="274" r:id="rId16"/>
+    <p:sldId id="263" r:id="rId17"/>
+    <p:sldId id="271" r:id="rId18"/>
+    <p:sldId id="272" r:id="rId19"/>
+    <p:sldId id="285" r:id="rId20"/>
+    <p:sldId id="287" r:id="rId21"/>
+    <p:sldId id="284" r:id="rId22"/>
+    <p:sldId id="283" r:id="rId23"/>
   </p:sldIdLst>
   <p:sldSz cx="12192000" cy="6858000"/>
   <p:notesSz cx="6858000" cy="9144000"/>
@@ -216,7 +218,7 @@
           <a:p>
             <a:fld id="{DD57F23A-0794-4AF6-8931-826AE2291CB6}" type="datetimeFigureOut">
               <a:rPr lang="en-US" smtClean="0"/>
-              <a:t>7/28/2019</a:t>
+              <a:t>8/20/2019</a:t>
             </a:fld>
             <a:endParaRPr lang="en-US"/>
           </a:p>
@@ -777,6 +779,180 @@
     <p:extLst>
       <p:ext uri="{BB962C8B-B14F-4D97-AF65-F5344CB8AC3E}">
         <p14:creationId xmlns:p14="http://schemas.microsoft.com/office/powerpoint/2010/main" val="336416979"/>
+      </p:ext>
+    </p:extLst>
+  </p:cSld>
+  <p:clrMapOvr>
+    <a:masterClrMapping/>
+  </p:clrMapOvr>
+</p:notes>
+</file>
+
+<file path=ppt/notesSlides/notesSlide4.xml><?xml version="1.0" encoding="utf-8"?>
+<p:notes xmlns:a="http://schemas.openxmlformats.org/drawingml/2006/main" xmlns:r="http://schemas.openxmlformats.org/officeDocument/2006/relationships" xmlns:p="http://schemas.openxmlformats.org/presentationml/2006/main">
+  <p:cSld>
+    <p:spTree>
+      <p:nvGrpSpPr>
+        <p:cNvPr id="1" name=""/>
+        <p:cNvGrpSpPr/>
+        <p:nvPr/>
+      </p:nvGrpSpPr>
+      <p:grpSpPr>
+        <a:xfrm>
+          <a:off x="0" y="0"/>
+          <a:ext cx="0" cy="0"/>
+          <a:chOff x="0" y="0"/>
+          <a:chExt cx="0" cy="0"/>
+        </a:xfrm>
+      </p:grpSpPr>
+      <p:sp>
+        <p:nvSpPr>
+          <p:cNvPr id="2" name="Slide Image Placeholder 1"/>
+          <p:cNvSpPr>
+            <a:spLocks noGrp="1" noRot="1" noChangeAspect="1"/>
+          </p:cNvSpPr>
+          <p:nvPr>
+            <p:ph type="sldImg"/>
+          </p:nvPr>
+        </p:nvSpPr>
+        <p:spPr/>
+      </p:sp>
+      <p:sp>
+        <p:nvSpPr>
+          <p:cNvPr id="3" name="Notes Placeholder 2"/>
+          <p:cNvSpPr>
+            <a:spLocks noGrp="1"/>
+          </p:cNvSpPr>
+          <p:nvPr>
+            <p:ph type="body" idx="1"/>
+          </p:nvPr>
+        </p:nvSpPr>
+        <p:spPr/>
+        <p:txBody>
+          <a:bodyPr/>
+          <a:lstStyle/>
+          <a:p>
+            <a:endParaRPr lang="pl-PL" dirty="0"/>
+          </a:p>
+        </p:txBody>
+      </p:sp>
+      <p:sp>
+        <p:nvSpPr>
+          <p:cNvPr id="4" name="Slide Number Placeholder 3"/>
+          <p:cNvSpPr>
+            <a:spLocks noGrp="1"/>
+          </p:cNvSpPr>
+          <p:nvPr>
+            <p:ph type="sldNum" sz="quarter" idx="10"/>
+          </p:nvPr>
+        </p:nvSpPr>
+        <p:spPr/>
+        <p:txBody>
+          <a:bodyPr/>
+          <a:lstStyle/>
+          <a:p>
+            <a:fld id="{18DDDED0-827B-4672-BD27-2B18B91C8AB8}" type="slidenum">
+              <a:rPr lang="en-US" smtClean="0"/>
+              <a:t>19</a:t>
+            </a:fld>
+            <a:endParaRPr lang="en-US"/>
+          </a:p>
+        </p:txBody>
+      </p:sp>
+    </p:spTree>
+    <p:extLst>
+      <p:ext uri="{BB962C8B-B14F-4D97-AF65-F5344CB8AC3E}">
+        <p14:creationId xmlns:p14="http://schemas.microsoft.com/office/powerpoint/2010/main" val="3154947865"/>
+      </p:ext>
+    </p:extLst>
+  </p:cSld>
+  <p:clrMapOvr>
+    <a:masterClrMapping/>
+  </p:clrMapOvr>
+</p:notes>
+</file>
+
+<file path=ppt/notesSlides/notesSlide5.xml><?xml version="1.0" encoding="utf-8"?>
+<p:notes xmlns:a="http://schemas.openxmlformats.org/drawingml/2006/main" xmlns:r="http://schemas.openxmlformats.org/officeDocument/2006/relationships" xmlns:p="http://schemas.openxmlformats.org/presentationml/2006/main">
+  <p:cSld>
+    <p:spTree>
+      <p:nvGrpSpPr>
+        <p:cNvPr id="1" name=""/>
+        <p:cNvGrpSpPr/>
+        <p:nvPr/>
+      </p:nvGrpSpPr>
+      <p:grpSpPr>
+        <a:xfrm>
+          <a:off x="0" y="0"/>
+          <a:ext cx="0" cy="0"/>
+          <a:chOff x="0" y="0"/>
+          <a:chExt cx="0" cy="0"/>
+        </a:xfrm>
+      </p:grpSpPr>
+      <p:sp>
+        <p:nvSpPr>
+          <p:cNvPr id="2" name="Slide Image Placeholder 1"/>
+          <p:cNvSpPr>
+            <a:spLocks noGrp="1" noRot="1" noChangeAspect="1"/>
+          </p:cNvSpPr>
+          <p:nvPr>
+            <p:ph type="sldImg"/>
+          </p:nvPr>
+        </p:nvSpPr>
+        <p:spPr/>
+      </p:sp>
+      <p:sp>
+        <p:nvSpPr>
+          <p:cNvPr id="3" name="Notes Placeholder 2"/>
+          <p:cNvSpPr>
+            <a:spLocks noGrp="1"/>
+          </p:cNvSpPr>
+          <p:nvPr>
+            <p:ph type="body" idx="1"/>
+          </p:nvPr>
+        </p:nvSpPr>
+        <p:spPr/>
+        <p:txBody>
+          <a:bodyPr/>
+          <a:lstStyle/>
+          <a:p>
+            <a:r>
+              <a:rPr lang="pl-PL" dirty="0" smtClean="0">
+                <a:hlinkClick r:id="rId3"/>
+              </a:rPr>
+              <a:t>https://www.baeldung.com/spring-boot-admin</a:t>
+            </a:r>
+            <a:endParaRPr lang="pl-PL" dirty="0"/>
+          </a:p>
+        </p:txBody>
+      </p:sp>
+      <p:sp>
+        <p:nvSpPr>
+          <p:cNvPr id="4" name="Slide Number Placeholder 3"/>
+          <p:cNvSpPr>
+            <a:spLocks noGrp="1"/>
+          </p:cNvSpPr>
+          <p:nvPr>
+            <p:ph type="sldNum" sz="quarter" idx="10"/>
+          </p:nvPr>
+        </p:nvSpPr>
+        <p:spPr/>
+        <p:txBody>
+          <a:bodyPr/>
+          <a:lstStyle/>
+          <a:p>
+            <a:fld id="{18DDDED0-827B-4672-BD27-2B18B91C8AB8}" type="slidenum">
+              <a:rPr lang="en-US" smtClean="0"/>
+              <a:t>20</a:t>
+            </a:fld>
+            <a:endParaRPr lang="en-US"/>
+          </a:p>
+        </p:txBody>
+      </p:sp>
+    </p:spTree>
+    <p:extLst>
+      <p:ext uri="{BB962C8B-B14F-4D97-AF65-F5344CB8AC3E}">
+        <p14:creationId xmlns:p14="http://schemas.microsoft.com/office/powerpoint/2010/main" val="2615667671"/>
       </p:ext>
     </p:extLst>
   </p:cSld>
@@ -1532,7 +1708,7 @@
             <a:fld id="{B61BEF0D-F0BB-DE4B-95CE-6DB70DBA9567}" type="datetimeFigureOut">
               <a:rPr lang="en-US" dirty="0"/>
               <a:pPr/>
-              <a:t>7/28/2019</a:t>
+              <a:t>8/20/2019</a:t>
             </a:fld>
             <a:endParaRPr lang="en-US" dirty="0"/>
           </a:p>
@@ -1780,7 +1956,7 @@
             <a:fld id="{B61BEF0D-F0BB-DE4B-95CE-6DB70DBA9567}" type="datetimeFigureOut">
               <a:rPr lang="en-US" dirty="0"/>
               <a:pPr/>
-              <a:t>7/28/2019</a:t>
+              <a:t>8/20/2019</a:t>
             </a:fld>
             <a:endParaRPr lang="en-US" dirty="0"/>
           </a:p>
@@ -2091,7 +2267,7 @@
             <a:fld id="{B61BEF0D-F0BB-DE4B-95CE-6DB70DBA9567}" type="datetimeFigureOut">
               <a:rPr lang="en-US" dirty="0"/>
               <a:pPr/>
-              <a:t>7/28/2019</a:t>
+              <a:t>8/20/2019</a:t>
             </a:fld>
             <a:endParaRPr lang="en-US" dirty="0"/>
           </a:p>
@@ -2421,7 +2597,7 @@
             <a:fld id="{B61BEF0D-F0BB-DE4B-95CE-6DB70DBA9567}" type="datetimeFigureOut">
               <a:rPr lang="en-US" dirty="0"/>
               <a:pPr/>
-              <a:t>7/28/2019</a:t>
+              <a:t>8/20/2019</a:t>
             </a:fld>
             <a:endParaRPr lang="en-US" dirty="0"/>
           </a:p>
@@ -2732,7 +2908,7 @@
             <a:fld id="{B61BEF0D-F0BB-DE4B-95CE-6DB70DBA9567}" type="datetimeFigureOut">
               <a:rPr lang="en-US" dirty="0"/>
               <a:pPr/>
-              <a:t>7/28/2019</a:t>
+              <a:t>8/20/2019</a:t>
             </a:fld>
             <a:endParaRPr lang="en-US" dirty="0"/>
           </a:p>
@@ -3122,7 +3298,7 @@
             <a:fld id="{B61BEF0D-F0BB-DE4B-95CE-6DB70DBA9567}" type="datetimeFigureOut">
               <a:rPr lang="en-US" dirty="0"/>
               <a:pPr/>
-              <a:t>7/28/2019</a:t>
+              <a:t>8/20/2019</a:t>
             </a:fld>
             <a:endParaRPr lang="en-US" dirty="0"/>
           </a:p>
@@ -3288,7 +3464,7 @@
           <a:p>
             <a:fld id="{55C6B4A9-1611-4792-9094-5F34BCA07E0B}" type="datetimeFigureOut">
               <a:rPr lang="en-US" dirty="0"/>
-              <a:t>7/28/2019</a:t>
+              <a:t>8/20/2019</a:t>
             </a:fld>
             <a:endParaRPr lang="en-US" dirty="0"/>
           </a:p>
@@ -3464,7 +3640,7 @@
             <a:fld id="{B61BEF0D-F0BB-DE4B-95CE-6DB70DBA9567}" type="datetimeFigureOut">
               <a:rPr lang="en-US" dirty="0"/>
               <a:pPr/>
-              <a:t>7/28/2019</a:t>
+              <a:t>8/20/2019</a:t>
             </a:fld>
             <a:endParaRPr lang="en-US" dirty="0"/>
           </a:p>
@@ -3630,7 +3806,7 @@
           <a:p>
             <a:fld id="{42A54C80-263E-416B-A8E0-580EDEADCBDC}" type="datetimeFigureOut">
               <a:rPr lang="en-US" dirty="0"/>
-              <a:t>7/28/2019</a:t>
+              <a:t>8/20/2019</a:t>
             </a:fld>
             <a:endParaRPr lang="en-US" dirty="0"/>
           </a:p>
@@ -3873,7 +4049,7 @@
             <a:fld id="{B61BEF0D-F0BB-DE4B-95CE-6DB70DBA9567}" type="datetimeFigureOut">
               <a:rPr lang="en-US" dirty="0"/>
               <a:pPr/>
-              <a:t>7/28/2019</a:t>
+              <a:t>8/20/2019</a:t>
             </a:fld>
             <a:endParaRPr lang="en-US" dirty="0"/>
           </a:p>
@@ -4101,7 +4277,7 @@
           <a:p>
             <a:fld id="{42A54C80-263E-416B-A8E0-580EDEADCBDC}" type="datetimeFigureOut">
               <a:rPr lang="en-US" dirty="0"/>
-              <a:t>7/28/2019</a:t>
+              <a:t>8/20/2019</a:t>
             </a:fld>
             <a:endParaRPr lang="en-US" dirty="0"/>
           </a:p>
@@ -4471,7 +4647,7 @@
             <a:fld id="{B61BEF0D-F0BB-DE4B-95CE-6DB70DBA9567}" type="datetimeFigureOut">
               <a:rPr lang="en-US" dirty="0"/>
               <a:pPr/>
-              <a:t>7/28/2019</a:t>
+              <a:t>8/20/2019</a:t>
             </a:fld>
             <a:endParaRPr lang="en-US" dirty="0"/>
           </a:p>
@@ -4591,7 +4767,7 @@
             <a:fld id="{B61BEF0D-F0BB-DE4B-95CE-6DB70DBA9567}" type="datetimeFigureOut">
               <a:rPr lang="en-US" dirty="0"/>
               <a:pPr/>
-              <a:t>7/28/2019</a:t>
+              <a:t>8/20/2019</a:t>
             </a:fld>
             <a:endParaRPr lang="en-US" dirty="0"/>
           </a:p>
@@ -4683,7 +4859,7 @@
             <a:fld id="{B61BEF0D-F0BB-DE4B-95CE-6DB70DBA9567}" type="datetimeFigureOut">
               <a:rPr lang="en-US" dirty="0"/>
               <a:pPr/>
-              <a:t>7/28/2019</a:t>
+              <a:t>8/20/2019</a:t>
             </a:fld>
             <a:endParaRPr lang="en-US" dirty="0"/>
           </a:p>
@@ -4934,7 +5110,7 @@
           <a:p>
             <a:fld id="{42A54C80-263E-416B-A8E0-580EDEADCBDC}" type="datetimeFigureOut">
               <a:rPr lang="en-US" dirty="0"/>
-              <a:t>7/28/2019</a:t>
+              <a:t>8/20/2019</a:t>
             </a:fld>
             <a:endParaRPr lang="en-US" dirty="0"/>
           </a:p>
@@ -5236,7 +5412,7 @@
             <a:fld id="{B61BEF0D-F0BB-DE4B-95CE-6DB70DBA9567}" type="datetimeFigureOut">
               <a:rPr lang="en-US" dirty="0"/>
               <a:pPr/>
-              <a:t>7/28/2019</a:t>
+              <a:t>8/20/2019</a:t>
             </a:fld>
             <a:endParaRPr lang="en-US" dirty="0"/>
           </a:p>
@@ -5934,7 +6110,7 @@
             <a:fld id="{B61BEF0D-F0BB-DE4B-95CE-6DB70DBA9567}" type="datetimeFigureOut">
               <a:rPr lang="en-US" dirty="0"/>
               <a:pPr/>
-              <a:t>7/28/2019</a:t>
+              <a:t>8/20/2019</a:t>
             </a:fld>
             <a:endParaRPr lang="en-US" dirty="0"/>
           </a:p>
@@ -6620,6 +6796,490 @@
           <a:chExt cx="0" cy="0"/>
         </a:xfrm>
       </p:grpSpPr>
+      <p:pic>
+        <p:nvPicPr>
+          <p:cNvPr id="13" name="Picture 12">
+            <a:extLst>
+              <a:ext uri="{FF2B5EF4-FFF2-40B4-BE49-F238E27FC236}">
+                <a16:creationId xmlns:a16="http://schemas.microsoft.com/office/drawing/2014/main" id="{3D29427E-4176-42BB-A047-383C7AA34BB6}"/>
+              </a:ext>
+            </a:extLst>
+          </p:cNvPr>
+          <p:cNvPicPr>
+            <a:picLocks noChangeAspect="1"/>
+          </p:cNvPicPr>
+          <p:nvPr/>
+        </p:nvPicPr>
+        <p:blipFill>
+          <a:blip r:embed="rId2"/>
+          <a:stretch>
+            <a:fillRect/>
+          </a:stretch>
+        </p:blipFill>
+        <p:spPr>
+          <a:xfrm>
+            <a:off x="6794160" y="4134859"/>
+            <a:ext cx="1857375" cy="1390650"/>
+          </a:xfrm>
+          <a:prstGeom prst="rect">
+            <a:avLst/>
+          </a:prstGeom>
+          <a:ln>
+            <a:noFill/>
+          </a:ln>
+          <a:effectLst>
+            <a:outerShdw blurRad="190500" algn="tl" rotWithShape="0">
+              <a:srgbClr val="000000">
+                <a:alpha val="70000"/>
+              </a:srgbClr>
+            </a:outerShdw>
+          </a:effectLst>
+        </p:spPr>
+      </p:pic>
+      <p:pic>
+        <p:nvPicPr>
+          <p:cNvPr id="23" name="Picture 22">
+            <a:extLst>
+              <a:ext uri="{FF2B5EF4-FFF2-40B4-BE49-F238E27FC236}">
+                <a16:creationId xmlns:a16="http://schemas.microsoft.com/office/drawing/2014/main" id="{55AA9A2B-FA55-49AD-9048-D639AABC612A}"/>
+              </a:ext>
+            </a:extLst>
+          </p:cNvPr>
+          <p:cNvPicPr>
+            <a:picLocks noChangeAspect="1"/>
+          </p:cNvPicPr>
+          <p:nvPr/>
+        </p:nvPicPr>
+        <p:blipFill>
+          <a:blip r:embed="rId3"/>
+          <a:stretch>
+            <a:fillRect/>
+          </a:stretch>
+        </p:blipFill>
+        <p:spPr>
+          <a:xfrm>
+            <a:off x="1103615" y="4125623"/>
+            <a:ext cx="4943475" cy="1714500"/>
+          </a:xfrm>
+          <a:prstGeom prst="rect">
+            <a:avLst/>
+          </a:prstGeom>
+          <a:ln>
+            <a:noFill/>
+          </a:ln>
+          <a:effectLst>
+            <a:outerShdw blurRad="190500" algn="tl" rotWithShape="0">
+              <a:srgbClr val="000000">
+                <a:alpha val="70000"/>
+              </a:srgbClr>
+            </a:outerShdw>
+          </a:effectLst>
+        </p:spPr>
+      </p:pic>
+      <p:sp>
+        <p:nvSpPr>
+          <p:cNvPr id="2" name="Title 1">
+            <a:extLst>
+              <a:ext uri="{FF2B5EF4-FFF2-40B4-BE49-F238E27FC236}">
+                <a16:creationId xmlns:a16="http://schemas.microsoft.com/office/drawing/2014/main" id="{F5C9753E-C30E-4A6D-841C-112CEF422823}"/>
+              </a:ext>
+            </a:extLst>
+          </p:cNvPr>
+          <p:cNvSpPr>
+            <a:spLocks noGrp="1"/>
+          </p:cNvSpPr>
+          <p:nvPr>
+            <p:ph type="title"/>
+          </p:nvPr>
+        </p:nvSpPr>
+        <p:spPr/>
+        <p:txBody>
+          <a:bodyPr/>
+          <a:lstStyle/>
+          <a:p>
+            <a:r>
+              <a:rPr lang="en-US" dirty="0"/>
+              <a:t>Application Configuration Example</a:t>
+            </a:r>
+          </a:p>
+        </p:txBody>
+      </p:sp>
+      <p:sp>
+        <p:nvSpPr>
+          <p:cNvPr id="6" name="TextBox 5">
+            <a:extLst>
+              <a:ext uri="{FF2B5EF4-FFF2-40B4-BE49-F238E27FC236}">
+                <a16:creationId xmlns:a16="http://schemas.microsoft.com/office/drawing/2014/main" id="{CFF1C7B0-1A59-4A93-9C33-4CEF231902D9}"/>
+              </a:ext>
+            </a:extLst>
+          </p:cNvPr>
+          <p:cNvSpPr txBox="1"/>
+          <p:nvPr/>
+        </p:nvSpPr>
+        <p:spPr>
+          <a:xfrm>
+            <a:off x="2768417" y="5513964"/>
+            <a:ext cx="6655166" cy="276999"/>
+          </a:xfrm>
+          <a:prstGeom prst="rect">
+            <a:avLst/>
+          </a:prstGeom>
+          <a:noFill/>
+        </p:spPr>
+        <p:txBody>
+          <a:bodyPr wrap="square" rtlCol="0">
+            <a:spAutoFit/>
+          </a:bodyPr>
+          <a:lstStyle/>
+          <a:p>
+            <a:endParaRPr lang="en-US" sz="1200" dirty="0"/>
+          </a:p>
+        </p:txBody>
+      </p:sp>
+      <p:cxnSp>
+        <p:nvCxnSpPr>
+          <p:cNvPr id="15" name="Straight Arrow Connector 14">
+            <a:extLst>
+              <a:ext uri="{FF2B5EF4-FFF2-40B4-BE49-F238E27FC236}">
+                <a16:creationId xmlns:a16="http://schemas.microsoft.com/office/drawing/2014/main" id="{99911C1B-3BFE-4C2B-8664-1DB6718DCF3D}"/>
+              </a:ext>
+            </a:extLst>
+          </p:cNvPr>
+          <p:cNvCxnSpPr/>
+          <p:nvPr/>
+        </p:nvCxnSpPr>
+        <p:spPr>
+          <a:xfrm flipH="1">
+            <a:off x="3962400" y="4230255"/>
+            <a:ext cx="2868704" cy="0"/>
+          </a:xfrm>
+          <a:prstGeom prst="straightConnector1">
+            <a:avLst/>
+          </a:prstGeom>
+          <a:ln>
+            <a:tailEnd type="triangle"/>
+          </a:ln>
+        </p:spPr>
+        <p:style>
+          <a:lnRef idx="1">
+            <a:schemeClr val="accent1"/>
+          </a:lnRef>
+          <a:fillRef idx="0">
+            <a:schemeClr val="accent1"/>
+          </a:fillRef>
+          <a:effectRef idx="0">
+            <a:schemeClr val="accent1"/>
+          </a:effectRef>
+          <a:fontRef idx="minor">
+            <a:schemeClr val="tx1"/>
+          </a:fontRef>
+        </p:style>
+      </p:cxnSp>
+      <p:cxnSp>
+        <p:nvCxnSpPr>
+          <p:cNvPr id="17" name="Straight Arrow Connector 16">
+            <a:extLst>
+              <a:ext uri="{FF2B5EF4-FFF2-40B4-BE49-F238E27FC236}">
+                <a16:creationId xmlns:a16="http://schemas.microsoft.com/office/drawing/2014/main" id="{0D20E0D7-DEC0-4217-8AE9-EEB534CFE900}"/>
+              </a:ext>
+            </a:extLst>
+          </p:cNvPr>
+          <p:cNvCxnSpPr/>
+          <p:nvPr/>
+        </p:nvCxnSpPr>
+        <p:spPr>
+          <a:xfrm flipH="1">
+            <a:off x="4729018" y="4378036"/>
+            <a:ext cx="2262909" cy="766619"/>
+          </a:xfrm>
+          <a:prstGeom prst="straightConnector1">
+            <a:avLst/>
+          </a:prstGeom>
+          <a:ln>
+            <a:tailEnd type="triangle"/>
+          </a:ln>
+        </p:spPr>
+        <p:style>
+          <a:lnRef idx="1">
+            <a:schemeClr val="accent1"/>
+          </a:lnRef>
+          <a:fillRef idx="0">
+            <a:schemeClr val="accent1"/>
+          </a:fillRef>
+          <a:effectRef idx="0">
+            <a:schemeClr val="accent1"/>
+          </a:effectRef>
+          <a:fontRef idx="minor">
+            <a:schemeClr val="tx1"/>
+          </a:fontRef>
+        </p:style>
+      </p:cxnSp>
+      <p:cxnSp>
+        <p:nvCxnSpPr>
+          <p:cNvPr id="18" name="Straight Arrow Connector 17">
+            <a:extLst>
+              <a:ext uri="{FF2B5EF4-FFF2-40B4-BE49-F238E27FC236}">
+                <a16:creationId xmlns:a16="http://schemas.microsoft.com/office/drawing/2014/main" id="{0782B469-1E1C-481D-80DF-41E887A9BDC0}"/>
+              </a:ext>
+            </a:extLst>
+          </p:cNvPr>
+          <p:cNvCxnSpPr>
+            <a:cxnSpLocks/>
+          </p:cNvCxnSpPr>
+          <p:nvPr/>
+        </p:nvCxnSpPr>
+        <p:spPr>
+          <a:xfrm flipH="1">
+            <a:off x="5200073" y="4599565"/>
+            <a:ext cx="1791855" cy="784127"/>
+          </a:xfrm>
+          <a:prstGeom prst="straightConnector1">
+            <a:avLst/>
+          </a:prstGeom>
+          <a:ln>
+            <a:tailEnd type="triangle"/>
+          </a:ln>
+        </p:spPr>
+        <p:style>
+          <a:lnRef idx="1">
+            <a:schemeClr val="accent1"/>
+          </a:lnRef>
+          <a:fillRef idx="0">
+            <a:schemeClr val="accent1"/>
+          </a:fillRef>
+          <a:effectRef idx="0">
+            <a:schemeClr val="accent1"/>
+          </a:effectRef>
+          <a:fontRef idx="minor">
+            <a:schemeClr val="tx1"/>
+          </a:fontRef>
+        </p:style>
+      </p:cxnSp>
+      <p:cxnSp>
+        <p:nvCxnSpPr>
+          <p:cNvPr id="21" name="Straight Arrow Connector 20">
+            <a:extLst>
+              <a:ext uri="{FF2B5EF4-FFF2-40B4-BE49-F238E27FC236}">
+                <a16:creationId xmlns:a16="http://schemas.microsoft.com/office/drawing/2014/main" id="{2F339E48-D6DE-4FCA-A3F0-11E08C8CF0F6}"/>
+              </a:ext>
+            </a:extLst>
+          </p:cNvPr>
+          <p:cNvCxnSpPr>
+            <a:cxnSpLocks/>
+          </p:cNvCxnSpPr>
+          <p:nvPr/>
+        </p:nvCxnSpPr>
+        <p:spPr>
+          <a:xfrm flipH="1">
+            <a:off x="5200073" y="4991628"/>
+            <a:ext cx="1791856" cy="591926"/>
+          </a:xfrm>
+          <a:prstGeom prst="straightConnector1">
+            <a:avLst/>
+          </a:prstGeom>
+          <a:ln>
+            <a:tailEnd type="triangle"/>
+          </a:ln>
+        </p:spPr>
+        <p:style>
+          <a:lnRef idx="1">
+            <a:schemeClr val="accent1"/>
+          </a:lnRef>
+          <a:fillRef idx="0">
+            <a:schemeClr val="accent1"/>
+          </a:fillRef>
+          <a:effectRef idx="0">
+            <a:schemeClr val="accent1"/>
+          </a:effectRef>
+          <a:fontRef idx="minor">
+            <a:schemeClr val="tx1"/>
+          </a:fontRef>
+        </p:style>
+      </p:cxnSp>
+      <p:sp>
+        <p:nvSpPr>
+          <p:cNvPr id="24" name="Content Placeholder 2">
+            <a:extLst>
+              <a:ext uri="{FF2B5EF4-FFF2-40B4-BE49-F238E27FC236}">
+                <a16:creationId xmlns:a16="http://schemas.microsoft.com/office/drawing/2014/main" id="{8F78055A-51C3-430E-8B41-692582160E02}"/>
+              </a:ext>
+            </a:extLst>
+          </p:cNvPr>
+          <p:cNvSpPr>
+            <a:spLocks noGrp="1"/>
+          </p:cNvSpPr>
+          <p:nvPr>
+            <p:ph idx="1"/>
+          </p:nvPr>
+        </p:nvSpPr>
+        <p:spPr>
+          <a:xfrm>
+            <a:off x="677334" y="1689534"/>
+            <a:ext cx="8596668" cy="3880773"/>
+          </a:xfrm>
+        </p:spPr>
+        <p:txBody>
+          <a:bodyPr>
+            <a:normAutofit/>
+          </a:bodyPr>
+          <a:lstStyle/>
+          <a:p>
+            <a:r>
+              <a:rPr lang="en-US" sz="1600" dirty="0"/>
+              <a:t>Direct access to config parameter from component</a:t>
+            </a:r>
+          </a:p>
+          <a:p>
+            <a:endParaRPr lang="en-US" sz="1600" u="sng" dirty="0">
+              <a:latin typeface="Courier New" panose="02070309020205020404" pitchFamily="49" charset="0"/>
+              <a:cs typeface="Courier New" panose="02070309020205020404" pitchFamily="49" charset="0"/>
+            </a:endParaRPr>
+          </a:p>
+          <a:p>
+            <a:endParaRPr lang="en-US" sz="1600" u="sng" dirty="0">
+              <a:latin typeface="Courier New" panose="02070309020205020404" pitchFamily="49" charset="0"/>
+              <a:cs typeface="Courier New" panose="02070309020205020404" pitchFamily="49" charset="0"/>
+            </a:endParaRPr>
+          </a:p>
+          <a:p>
+            <a:endParaRPr lang="en-US" sz="1600" u="sng" dirty="0">
+              <a:latin typeface="Courier New" panose="02070309020205020404" pitchFamily="49" charset="0"/>
+              <a:cs typeface="Courier New" panose="02070309020205020404" pitchFamily="49" charset="0"/>
+            </a:endParaRPr>
+          </a:p>
+          <a:p>
+            <a:endParaRPr lang="en-US" sz="1400" u="sng" dirty="0">
+              <a:latin typeface="Courier New" panose="02070309020205020404" pitchFamily="49" charset="0"/>
+              <a:cs typeface="Courier New" panose="02070309020205020404" pitchFamily="49" charset="0"/>
+            </a:endParaRPr>
+          </a:p>
+          <a:p>
+            <a:r>
+              <a:rPr lang="en-US" sz="1600" dirty="0"/>
+              <a:t>Type-safe Configuration: </a:t>
+            </a:r>
+            <a:r>
+              <a:rPr lang="en-US" sz="1200" dirty="0"/>
+              <a:t>Spring Boot provides an alternative method of working with properties that lets strongly typed beans govern and validate the configuration of your application</a:t>
+            </a:r>
+            <a:endParaRPr lang="en-US" sz="1050" dirty="0">
+              <a:latin typeface="Courier New" panose="02070309020205020404" pitchFamily="49" charset="0"/>
+              <a:cs typeface="Courier New" panose="02070309020205020404" pitchFamily="49" charset="0"/>
+            </a:endParaRPr>
+          </a:p>
+        </p:txBody>
+      </p:sp>
+      <p:pic>
+        <p:nvPicPr>
+          <p:cNvPr id="29" name="Picture 28">
+            <a:extLst>
+              <a:ext uri="{FF2B5EF4-FFF2-40B4-BE49-F238E27FC236}">
+                <a16:creationId xmlns:a16="http://schemas.microsoft.com/office/drawing/2014/main" id="{86D86A09-EFE5-42A7-B021-06200E50FCD0}"/>
+              </a:ext>
+            </a:extLst>
+          </p:cNvPr>
+          <p:cNvPicPr>
+            <a:picLocks noChangeAspect="1"/>
+          </p:cNvPicPr>
+          <p:nvPr/>
+        </p:nvPicPr>
+        <p:blipFill>
+          <a:blip r:embed="rId4"/>
+          <a:stretch>
+            <a:fillRect/>
+          </a:stretch>
+        </p:blipFill>
+        <p:spPr>
+          <a:xfrm>
+            <a:off x="1103615" y="2256127"/>
+            <a:ext cx="2667000" cy="952500"/>
+          </a:xfrm>
+          <a:prstGeom prst="rect">
+            <a:avLst/>
+          </a:prstGeom>
+          <a:ln>
+            <a:noFill/>
+          </a:ln>
+          <a:effectLst>
+            <a:outerShdw blurRad="190500" algn="tl" rotWithShape="0">
+              <a:srgbClr val="000000">
+                <a:alpha val="70000"/>
+              </a:srgbClr>
+            </a:outerShdw>
+          </a:effectLst>
+        </p:spPr>
+      </p:pic>
+      <p:cxnSp>
+        <p:nvCxnSpPr>
+          <p:cNvPr id="26" name="Straight Arrow Connector 25">
+            <a:extLst>
+              <a:ext uri="{FF2B5EF4-FFF2-40B4-BE49-F238E27FC236}">
+                <a16:creationId xmlns:a16="http://schemas.microsoft.com/office/drawing/2014/main" id="{380206E4-B6B4-4517-B4FF-723205F1CD51}"/>
+              </a:ext>
+            </a:extLst>
+          </p:cNvPr>
+          <p:cNvCxnSpPr>
+            <a:cxnSpLocks/>
+          </p:cNvCxnSpPr>
+          <p:nvPr/>
+        </p:nvCxnSpPr>
+        <p:spPr>
+          <a:xfrm flipH="1" flipV="1">
+            <a:off x="3575352" y="2869851"/>
+            <a:ext cx="3333448" cy="1309237"/>
+          </a:xfrm>
+          <a:prstGeom prst="straightConnector1">
+            <a:avLst/>
+          </a:prstGeom>
+          <a:ln>
+            <a:tailEnd type="triangle"/>
+          </a:ln>
+        </p:spPr>
+        <p:style>
+          <a:lnRef idx="1">
+            <a:schemeClr val="accent1"/>
+          </a:lnRef>
+          <a:fillRef idx="0">
+            <a:schemeClr val="accent1"/>
+          </a:fillRef>
+          <a:effectRef idx="0">
+            <a:schemeClr val="accent1"/>
+          </a:effectRef>
+          <a:fontRef idx="minor">
+            <a:schemeClr val="tx1"/>
+          </a:fontRef>
+        </p:style>
+      </p:cxnSp>
+    </p:spTree>
+    <p:extLst>
+      <p:ext uri="{BB962C8B-B14F-4D97-AF65-F5344CB8AC3E}">
+        <p14:creationId xmlns:p14="http://schemas.microsoft.com/office/powerpoint/2010/main" val="1315425320"/>
+      </p:ext>
+    </p:extLst>
+  </p:cSld>
+  <p:clrMapOvr>
+    <a:masterClrMapping/>
+  </p:clrMapOvr>
+</p:sld>
+</file>
+
+<file path=ppt/slides/slide11.xml><?xml version="1.0" encoding="utf-8"?>
+<p:sld xmlns:a="http://schemas.openxmlformats.org/drawingml/2006/main" xmlns:r="http://schemas.openxmlformats.org/officeDocument/2006/relationships" xmlns:p="http://schemas.openxmlformats.org/presentationml/2006/main">
+  <p:cSld>
+    <p:spTree>
+      <p:nvGrpSpPr>
+        <p:cNvPr id="1" name=""/>
+        <p:cNvGrpSpPr/>
+        <p:nvPr/>
+      </p:nvGrpSpPr>
+      <p:grpSpPr>
+        <a:xfrm>
+          <a:off x="0" y="0"/>
+          <a:ext cx="0" cy="0"/>
+          <a:chOff x="0" y="0"/>
+          <a:chExt cx="0" cy="0"/>
+        </a:xfrm>
+      </p:grpSpPr>
       <p:sp>
         <p:nvSpPr>
           <p:cNvPr id="2" name="Title 1">
@@ -7192,7 +7852,7 @@
 </p:sld>
 </file>
 
-<file path=ppt/slides/slide11.xml><?xml version="1.0" encoding="utf-8"?>
+<file path=ppt/slides/slide12.xml><?xml version="1.0" encoding="utf-8"?>
 <p:sld xmlns:a="http://schemas.openxmlformats.org/drawingml/2006/main" xmlns:r="http://schemas.openxmlformats.org/officeDocument/2006/relationships" xmlns:p="http://schemas.openxmlformats.org/presentationml/2006/main">
   <p:cSld>
     <p:spTree>
@@ -7647,7 +8307,7 @@
 </p:sld>
 </file>
 
-<file path=ppt/slides/slide12.xml><?xml version="1.0" encoding="utf-8"?>
+<file path=ppt/slides/slide13.xml><?xml version="1.0" encoding="utf-8"?>
 <p:sld xmlns:a="http://schemas.openxmlformats.org/drawingml/2006/main" xmlns:r="http://schemas.openxmlformats.org/officeDocument/2006/relationships" xmlns:p="http://schemas.openxmlformats.org/presentationml/2006/main">
   <p:cSld>
     <p:spTree>
@@ -8174,7 +8834,7 @@
 </p:sld>
 </file>
 
-<file path=ppt/slides/slide13.xml><?xml version="1.0" encoding="utf-8"?>
+<file path=ppt/slides/slide14.xml><?xml version="1.0" encoding="utf-8"?>
 <p:sld xmlns:a="http://schemas.openxmlformats.org/drawingml/2006/main" xmlns:r="http://schemas.openxmlformats.org/officeDocument/2006/relationships" xmlns:p="http://schemas.openxmlformats.org/presentationml/2006/main">
   <p:cSld>
     <p:spTree>
@@ -8313,7 +8973,7 @@
 </p:sld>
 </file>
 
-<file path=ppt/slides/slide14.xml><?xml version="1.0" encoding="utf-8"?>
+<file path=ppt/slides/slide15.xml><?xml version="1.0" encoding="utf-8"?>
 <p:sld xmlns:a="http://schemas.openxmlformats.org/drawingml/2006/main" xmlns:r="http://schemas.openxmlformats.org/officeDocument/2006/relationships" xmlns:p="http://schemas.openxmlformats.org/presentationml/2006/main">
   <p:cSld>
     <p:spTree>
@@ -8540,7 +9200,7 @@
 </p:sld>
 </file>
 
-<file path=ppt/slides/slide15.xml><?xml version="1.0" encoding="utf-8"?>
+<file path=ppt/slides/slide16.xml><?xml version="1.0" encoding="utf-8"?>
 <p:sld xmlns:a="http://schemas.openxmlformats.org/drawingml/2006/main" xmlns:r="http://schemas.openxmlformats.org/officeDocument/2006/relationships" xmlns:p="http://schemas.openxmlformats.org/presentationml/2006/main">
   <p:cSld>
     <p:spTree>
@@ -8859,7 +9519,7 @@
 </p:sld>
 </file>
 
-<file path=ppt/slides/slide16.xml><?xml version="1.0" encoding="utf-8"?>
+<file path=ppt/slides/slide17.xml><?xml version="1.0" encoding="utf-8"?>
 <p:sld xmlns:a="http://schemas.openxmlformats.org/drawingml/2006/main" xmlns:r="http://schemas.openxmlformats.org/officeDocument/2006/relationships" xmlns:p="http://schemas.openxmlformats.org/presentationml/2006/main">
   <p:cSld>
     <p:spTree>
@@ -9589,7 +10249,7 @@
 </p:sld>
 </file>
 
-<file path=ppt/slides/slide17.xml><?xml version="1.0" encoding="utf-8"?>
+<file path=ppt/slides/slide18.xml><?xml version="1.0" encoding="utf-8"?>
 <p:sld xmlns:a="http://schemas.openxmlformats.org/drawingml/2006/main" xmlns:r="http://schemas.openxmlformats.org/officeDocument/2006/relationships" xmlns:p="http://schemas.openxmlformats.org/presentationml/2006/main">
   <p:cSld>
     <p:spTree>
@@ -9721,6 +10381,13 @@
             <a:r>
               <a:rPr lang="en-US" sz="1200" dirty="0"/>
               <a:t> </a:t>
+            </a:r>
+            <a:r>
+              <a:rPr lang="pl-PL" sz="1400" dirty="0">
+                <a:latin typeface="Courier New" panose="02070309020205020404" pitchFamily="49" charset="0"/>
+                <a:cs typeface="Courier New" panose="02070309020205020404" pitchFamily="49" charset="0"/>
+              </a:rPr>
+              <a:t/>
             </a:r>
             <a:br>
               <a:rPr lang="pl-PL" sz="1400" dirty="0">
@@ -9845,7 +10512,7 @@
 </p:sld>
 </file>
 
-<file path=ppt/slides/slide18.xml><?xml version="1.0" encoding="utf-8"?>
+<file path=ppt/slides/slide19.xml><?xml version="1.0" encoding="utf-8"?>
 <p:sld xmlns:a="http://schemas.openxmlformats.org/drawingml/2006/main" xmlns:r="http://schemas.openxmlformats.org/officeDocument/2006/relationships" xmlns:p="http://schemas.openxmlformats.org/presentationml/2006/main">
   <p:cSld>
     <p:spTree>
@@ -9907,14 +10574,14 @@
           </p:nvPr>
         </p:nvPicPr>
         <p:blipFill>
-          <a:blip r:embed="rId2"/>
+          <a:blip r:embed="rId3"/>
           <a:stretch>
             <a:fillRect/>
           </a:stretch>
         </p:blipFill>
         <p:spPr>
           <a:xfrm>
-            <a:off x="338324" y="1930400"/>
+            <a:off x="589784" y="1505527"/>
             <a:ext cx="3784817" cy="2603429"/>
           </a:xfrm>
           <a:prstGeom prst="rect">
@@ -9937,14 +10604,14 @@
           <p:nvPr/>
         </p:nvPicPr>
         <p:blipFill>
-          <a:blip r:embed="rId3"/>
+          <a:blip r:embed="rId4"/>
           <a:stretch>
             <a:fillRect/>
           </a:stretch>
         </p:blipFill>
         <p:spPr>
           <a:xfrm>
-            <a:off x="4975668" y="434109"/>
+            <a:off x="4815648" y="354099"/>
             <a:ext cx="3214255" cy="5444836"/>
           </a:xfrm>
           <a:prstGeom prst="rect">
@@ -9967,7 +10634,7 @@
           <p:nvPr/>
         </p:nvPicPr>
         <p:blipFill>
-          <a:blip r:embed="rId4"/>
+          <a:blip r:embed="rId5"/>
           <a:stretch>
             <a:fillRect/>
           </a:stretch>
@@ -9992,125 +10659,13 @@
   <p:clrMapOvr>
     <a:masterClrMapping/>
   </p:clrMapOvr>
-</p:sld>
-</file>
-
-<file path=ppt/slides/slide19.xml><?xml version="1.0" encoding="utf-8"?>
-<p:sld xmlns:a="http://schemas.openxmlformats.org/drawingml/2006/main" xmlns:r="http://schemas.openxmlformats.org/officeDocument/2006/relationships" xmlns:p="http://schemas.openxmlformats.org/presentationml/2006/main">
-  <p:cSld>
-    <p:spTree>
-      <p:nvGrpSpPr>
-        <p:cNvPr id="1" name=""/>
-        <p:cNvGrpSpPr/>
-        <p:nvPr/>
-      </p:nvGrpSpPr>
-      <p:grpSpPr>
-        <a:xfrm>
-          <a:off x="0" y="0"/>
-          <a:ext cx="0" cy="0"/>
-          <a:chOff x="0" y="0"/>
-          <a:chExt cx="0" cy="0"/>
-        </a:xfrm>
-      </p:grpSpPr>
-      <p:sp>
-        <p:nvSpPr>
-          <p:cNvPr id="2" name="Title 1">
-            <a:extLst>
-              <a:ext uri="{FF2B5EF4-FFF2-40B4-BE49-F238E27FC236}">
-                <a16:creationId xmlns:a16="http://schemas.microsoft.com/office/drawing/2014/main" id="{212A6730-5296-4FC4-BDFC-A4FA36C3F543}"/>
-              </a:ext>
-            </a:extLst>
-          </p:cNvPr>
-          <p:cNvSpPr>
-            <a:spLocks noGrp="1"/>
-          </p:cNvSpPr>
-          <p:nvPr>
-            <p:ph type="title"/>
-          </p:nvPr>
-        </p:nvSpPr>
-        <p:spPr/>
-        <p:txBody>
-          <a:bodyPr/>
-          <a:lstStyle/>
-          <a:p>
-            <a:r>
-              <a:rPr lang="en-US" dirty="0"/>
-              <a:t>Unit Tests</a:t>
-            </a:r>
-          </a:p>
-        </p:txBody>
-      </p:sp>
-      <p:sp>
-        <p:nvSpPr>
-          <p:cNvPr id="3" name="Content Placeholder 2">
-            <a:extLst>
-              <a:ext uri="{FF2B5EF4-FFF2-40B4-BE49-F238E27FC236}">
-                <a16:creationId xmlns:a16="http://schemas.microsoft.com/office/drawing/2014/main" id="{7BA974A3-1D19-4E8E-B316-C120725102A7}"/>
-              </a:ext>
-            </a:extLst>
-          </p:cNvPr>
-          <p:cNvSpPr>
-            <a:spLocks noGrp="1"/>
-          </p:cNvSpPr>
-          <p:nvPr>
-            <p:ph idx="1"/>
-          </p:nvPr>
-        </p:nvSpPr>
-        <p:spPr/>
-        <p:txBody>
-          <a:bodyPr/>
-          <a:lstStyle/>
-          <a:p>
-            <a:r>
-              <a:rPr lang="en-US" dirty="0"/>
-              <a:t>TODO</a:t>
-            </a:r>
-          </a:p>
-          <a:p>
-            <a:endParaRPr lang="en-US" dirty="0"/>
-          </a:p>
-        </p:txBody>
-      </p:sp>
-      <p:pic>
-        <p:nvPicPr>
-          <p:cNvPr id="4" name="Picture 3">
-            <a:extLst>
-              <a:ext uri="{FF2B5EF4-FFF2-40B4-BE49-F238E27FC236}">
-                <a16:creationId xmlns:a16="http://schemas.microsoft.com/office/drawing/2014/main" id="{CBF3C293-699A-4BDD-BC96-2728AB3E59AA}"/>
-              </a:ext>
-            </a:extLst>
-          </p:cNvPr>
-          <p:cNvPicPr>
-            <a:picLocks noChangeAspect="1"/>
-          </p:cNvPicPr>
-          <p:nvPr/>
-        </p:nvPicPr>
-        <p:blipFill>
-          <a:blip r:embed="rId2"/>
-          <a:stretch>
-            <a:fillRect/>
-          </a:stretch>
-        </p:blipFill>
-        <p:spPr>
-          <a:xfrm>
-            <a:off x="3657600" y="2276937"/>
-            <a:ext cx="4876800" cy="3648075"/>
-          </a:xfrm>
-          <a:prstGeom prst="rect">
-            <a:avLst/>
-          </a:prstGeom>
-        </p:spPr>
-      </p:pic>
-    </p:spTree>
-    <p:extLst>
-      <p:ext uri="{BB962C8B-B14F-4D97-AF65-F5344CB8AC3E}">
-        <p14:creationId xmlns:p14="http://schemas.microsoft.com/office/powerpoint/2010/main" val="833500454"/>
-      </p:ext>
-    </p:extLst>
-  </p:cSld>
-  <p:clrMapOvr>
-    <a:masterClrMapping/>
-  </p:clrMapOvr>
+  <p:timing>
+    <p:tnLst>
+      <p:par>
+        <p:cTn id="1" dur="indefinite" restart="never" nodeType="tmRoot"/>
+      </p:par>
+    </p:tnLst>
+  </p:timing>
 </p:sld>
 </file>
 
@@ -10331,6 +10886,543 @@
       </p:grpSpPr>
       <p:sp>
         <p:nvSpPr>
+          <p:cNvPr id="2" name="Title 1"/>
+          <p:cNvSpPr>
+            <a:spLocks noGrp="1"/>
+          </p:cNvSpPr>
+          <p:nvPr>
+            <p:ph type="title"/>
+          </p:nvPr>
+        </p:nvSpPr>
+        <p:spPr/>
+        <p:txBody>
+          <a:bodyPr/>
+          <a:lstStyle/>
+          <a:p>
+            <a:r>
+              <a:rPr lang="pl-PL" dirty="0"/>
+              <a:t>Spring Boot Admin</a:t>
+            </a:r>
+            <a:br>
+              <a:rPr lang="pl-PL" dirty="0"/>
+            </a:br>
+            <a:endParaRPr lang="pl-PL" dirty="0"/>
+          </a:p>
+        </p:txBody>
+      </p:sp>
+      <p:sp>
+        <p:nvSpPr>
+          <p:cNvPr id="3" name="Content Placeholder 2"/>
+          <p:cNvSpPr>
+            <a:spLocks noGrp="1"/>
+          </p:cNvSpPr>
+          <p:nvPr>
+            <p:ph idx="1"/>
+          </p:nvPr>
+        </p:nvSpPr>
+        <p:spPr>
+          <a:xfrm>
+            <a:off x="677334" y="1394780"/>
+            <a:ext cx="5826336" cy="5886130"/>
+          </a:xfrm>
+        </p:spPr>
+        <p:txBody>
+          <a:bodyPr/>
+          <a:lstStyle/>
+          <a:p>
+            <a:r>
+              <a:rPr lang="en-US" dirty="0">
+                <a:hlinkClick r:id="rId3"/>
+              </a:rPr>
+              <a:t>Spring Boot Admin</a:t>
+            </a:r>
+            <a:r>
+              <a:rPr lang="en-US" dirty="0"/>
+              <a:t> is a web application, used for managing and monitoring Spring Boot applications. Each application is considered as a client and registers to the admin server. Behind the scenes, the magic is given by the Spring Boot Actuator endpoints</a:t>
+            </a:r>
+            <a:r>
+              <a:rPr lang="en-US" dirty="0" smtClean="0"/>
+              <a:t>.</a:t>
+            </a:r>
+          </a:p>
+          <a:p>
+            <a:r>
+              <a:rPr lang="en-US" dirty="0" smtClean="0"/>
+              <a:t>first </a:t>
+            </a:r>
+            <a:r>
+              <a:rPr lang="en-US" dirty="0"/>
+              <a:t>of all, we need to create a simple Spring Boot web application and add the following </a:t>
+            </a:r>
+            <a:r>
+              <a:rPr lang="en-US" dirty="0"/>
+              <a:t> Maven dependencies </a:t>
+            </a:r>
+            <a:r>
+              <a:rPr lang="en-US" dirty="0" smtClean="0"/>
+              <a:t>for </a:t>
+            </a:r>
+            <a:r>
+              <a:rPr lang="en-US" dirty="0" err="1" smtClean="0"/>
+              <a:t>Config</a:t>
+            </a:r>
+            <a:r>
+              <a:rPr lang="en-US" dirty="0" smtClean="0"/>
+              <a:t> Server and all clients:</a:t>
+            </a:r>
+            <a:endParaRPr lang="pl-PL" dirty="0"/>
+          </a:p>
+        </p:txBody>
+      </p:sp>
+      <p:grpSp>
+        <p:nvGrpSpPr>
+          <p:cNvPr id="12" name="Group 11"/>
+          <p:cNvGrpSpPr/>
+          <p:nvPr/>
+        </p:nvGrpSpPr>
+        <p:grpSpPr>
+          <a:xfrm>
+            <a:off x="216150" y="4256543"/>
+            <a:ext cx="10799112" cy="2262882"/>
+            <a:chOff x="536190" y="3446895"/>
+            <a:chExt cx="10799112" cy="2262882"/>
+          </a:xfrm>
+        </p:grpSpPr>
+        <p:pic>
+          <p:nvPicPr>
+            <p:cNvPr id="6" name="Picture 5"/>
+            <p:cNvPicPr>
+              <a:picLocks noChangeAspect="1"/>
+            </p:cNvPicPr>
+            <p:nvPr/>
+          </p:nvPicPr>
+          <p:blipFill>
+            <a:blip r:embed="rId4"/>
+            <a:stretch>
+              <a:fillRect/>
+            </a:stretch>
+          </p:blipFill>
+          <p:spPr>
+            <a:xfrm>
+              <a:off x="6096552" y="5085574"/>
+              <a:ext cx="3781425" cy="571500"/>
+            </a:xfrm>
+            <a:prstGeom prst="rect">
+              <a:avLst/>
+            </a:prstGeom>
+            <a:ln>
+              <a:noFill/>
+            </a:ln>
+            <a:effectLst>
+              <a:outerShdw blurRad="190500" algn="tl" rotWithShape="0">
+                <a:srgbClr val="000000">
+                  <a:alpha val="70000"/>
+                </a:srgbClr>
+              </a:outerShdw>
+            </a:effectLst>
+          </p:spPr>
+        </p:pic>
+        <p:pic>
+          <p:nvPicPr>
+            <p:cNvPr id="7" name="Picture 6"/>
+            <p:cNvPicPr>
+              <a:picLocks noChangeAspect="1"/>
+            </p:cNvPicPr>
+            <p:nvPr/>
+          </p:nvPicPr>
+          <p:blipFill>
+            <a:blip r:embed="rId5"/>
+            <a:stretch>
+              <a:fillRect/>
+            </a:stretch>
+          </p:blipFill>
+          <p:spPr>
+            <a:xfrm>
+              <a:off x="536190" y="3995279"/>
+              <a:ext cx="5219700" cy="857250"/>
+            </a:xfrm>
+            <a:prstGeom prst="rect">
+              <a:avLst/>
+            </a:prstGeom>
+            <a:ln>
+              <a:noFill/>
+            </a:ln>
+            <a:effectLst>
+              <a:outerShdw blurRad="190500" algn="tl" rotWithShape="0">
+                <a:srgbClr val="000000">
+                  <a:alpha val="70000"/>
+                </a:srgbClr>
+              </a:outerShdw>
+            </a:effectLst>
+          </p:spPr>
+        </p:pic>
+        <p:pic>
+          <p:nvPicPr>
+            <p:cNvPr id="8" name="Picture 7"/>
+            <p:cNvPicPr>
+              <a:picLocks noChangeAspect="1"/>
+            </p:cNvPicPr>
+            <p:nvPr/>
+          </p:nvPicPr>
+          <p:blipFill>
+            <a:blip r:embed="rId6"/>
+            <a:stretch>
+              <a:fillRect/>
+            </a:stretch>
+          </p:blipFill>
+          <p:spPr>
+            <a:xfrm>
+              <a:off x="6096552" y="4004804"/>
+              <a:ext cx="5238750" cy="847725"/>
+            </a:xfrm>
+            <a:prstGeom prst="rect">
+              <a:avLst/>
+            </a:prstGeom>
+            <a:ln>
+              <a:noFill/>
+            </a:ln>
+            <a:effectLst>
+              <a:outerShdw blurRad="190500" algn="tl" rotWithShape="0">
+                <a:srgbClr val="000000">
+                  <a:alpha val="70000"/>
+                </a:srgbClr>
+              </a:outerShdw>
+            </a:effectLst>
+          </p:spPr>
+        </p:pic>
+        <p:sp>
+          <p:nvSpPr>
+            <p:cNvPr id="9" name="Title 1"/>
+            <p:cNvSpPr txBox="1">
+              <a:spLocks/>
+            </p:cNvSpPr>
+            <p:nvPr/>
+          </p:nvSpPr>
+          <p:spPr>
+            <a:xfrm>
+              <a:off x="979322" y="3446895"/>
+              <a:ext cx="8596668" cy="1320800"/>
+            </a:xfrm>
+            <a:prstGeom prst="rect">
+              <a:avLst/>
+            </a:prstGeom>
+          </p:spPr>
+          <p:txBody>
+            <a:bodyPr vert="horz" lIns="91440" tIns="45720" rIns="91440" bIns="45720" rtlCol="0" anchor="t">
+              <a:normAutofit/>
+            </a:bodyPr>
+            <a:lstStyle>
+              <a:lvl1pPr algn="l" defTabSz="457200" rtl="0" eaLnBrk="1" latinLnBrk="0" hangingPunct="1">
+                <a:spcBef>
+                  <a:spcPct val="0"/>
+                </a:spcBef>
+                <a:buNone/>
+                <a:defRPr sz="3600" kern="1200">
+                  <a:solidFill>
+                    <a:schemeClr val="accent1"/>
+                  </a:solidFill>
+                  <a:latin typeface="+mj-lt"/>
+                  <a:ea typeface="+mj-ea"/>
+                  <a:cs typeface="+mj-cs"/>
+                </a:defRPr>
+              </a:lvl1pPr>
+              <a:lvl2pPr eaLnBrk="1" hangingPunct="1">
+                <a:defRPr>
+                  <a:solidFill>
+                    <a:schemeClr val="tx2"/>
+                  </a:solidFill>
+                </a:defRPr>
+              </a:lvl2pPr>
+              <a:lvl3pPr eaLnBrk="1" hangingPunct="1">
+                <a:defRPr>
+                  <a:solidFill>
+                    <a:schemeClr val="tx2"/>
+                  </a:solidFill>
+                </a:defRPr>
+              </a:lvl3pPr>
+              <a:lvl4pPr eaLnBrk="1" hangingPunct="1">
+                <a:defRPr>
+                  <a:solidFill>
+                    <a:schemeClr val="tx2"/>
+                  </a:solidFill>
+                </a:defRPr>
+              </a:lvl4pPr>
+              <a:lvl5pPr eaLnBrk="1" hangingPunct="1">
+                <a:defRPr>
+                  <a:solidFill>
+                    <a:schemeClr val="tx2"/>
+                  </a:solidFill>
+                </a:defRPr>
+              </a:lvl5pPr>
+              <a:lvl6pPr eaLnBrk="1" hangingPunct="1">
+                <a:defRPr>
+                  <a:solidFill>
+                    <a:schemeClr val="tx2"/>
+                  </a:solidFill>
+                </a:defRPr>
+              </a:lvl6pPr>
+              <a:lvl7pPr eaLnBrk="1" hangingPunct="1">
+                <a:defRPr>
+                  <a:solidFill>
+                    <a:schemeClr val="tx2"/>
+                  </a:solidFill>
+                </a:defRPr>
+              </a:lvl7pPr>
+              <a:lvl8pPr eaLnBrk="1" hangingPunct="1">
+                <a:defRPr>
+                  <a:solidFill>
+                    <a:schemeClr val="tx2"/>
+                  </a:solidFill>
+                </a:defRPr>
+              </a:lvl8pPr>
+              <a:lvl9pPr eaLnBrk="1" hangingPunct="1">
+                <a:defRPr>
+                  <a:solidFill>
+                    <a:schemeClr val="tx2"/>
+                  </a:solidFill>
+                </a:defRPr>
+              </a:lvl9pPr>
+            </a:lstStyle>
+            <a:p>
+              <a:r>
+                <a:rPr lang="en-US" sz="2400" dirty="0" smtClean="0"/>
+                <a:t>                                        Server      Clients</a:t>
+              </a:r>
+              <a:r>
+                <a:rPr lang="pl-PL" sz="2400" dirty="0" smtClean="0"/>
+                <a:t/>
+              </a:r>
+              <a:br>
+                <a:rPr lang="pl-PL" sz="2400" dirty="0" smtClean="0"/>
+              </a:br>
+              <a:endParaRPr lang="pl-PL" sz="2400" dirty="0"/>
+            </a:p>
+          </p:txBody>
+        </p:sp>
+        <p:pic>
+          <p:nvPicPr>
+            <p:cNvPr id="10" name="Picture 9"/>
+            <p:cNvPicPr>
+              <a:picLocks noChangeAspect="1"/>
+            </p:cNvPicPr>
+            <p:nvPr/>
+          </p:nvPicPr>
+          <p:blipFill>
+            <a:blip r:embed="rId7"/>
+            <a:stretch>
+              <a:fillRect/>
+            </a:stretch>
+          </p:blipFill>
+          <p:spPr>
+            <a:xfrm>
+              <a:off x="1517265" y="5071602"/>
+              <a:ext cx="4238625" cy="638175"/>
+            </a:xfrm>
+            <a:prstGeom prst="rect">
+              <a:avLst/>
+            </a:prstGeom>
+            <a:ln>
+              <a:noFill/>
+            </a:ln>
+            <a:effectLst>
+              <a:outerShdw blurRad="190500" algn="tl" rotWithShape="0">
+                <a:srgbClr val="000000">
+                  <a:alpha val="70000"/>
+                </a:srgbClr>
+              </a:outerShdw>
+            </a:effectLst>
+          </p:spPr>
+        </p:pic>
+      </p:grpSp>
+      <p:pic>
+        <p:nvPicPr>
+          <p:cNvPr id="13" name="Picture 12"/>
+          <p:cNvPicPr>
+            <a:picLocks noChangeAspect="1"/>
+          </p:cNvPicPr>
+          <p:nvPr/>
+        </p:nvPicPr>
+        <p:blipFill>
+          <a:blip r:embed="rId8"/>
+          <a:stretch>
+            <a:fillRect/>
+          </a:stretch>
+        </p:blipFill>
+        <p:spPr>
+          <a:xfrm>
+            <a:off x="7098030" y="263076"/>
+            <a:ext cx="4823460" cy="4202747"/>
+          </a:xfrm>
+          <a:prstGeom prst="rect">
+            <a:avLst/>
+          </a:prstGeom>
+        </p:spPr>
+      </p:pic>
+    </p:spTree>
+    <p:extLst>
+      <p:ext uri="{BB962C8B-B14F-4D97-AF65-F5344CB8AC3E}">
+        <p14:creationId xmlns:p14="http://schemas.microsoft.com/office/powerpoint/2010/main" val="2487700880"/>
+      </p:ext>
+    </p:extLst>
+  </p:cSld>
+  <p:clrMapOvr>
+    <a:masterClrMapping/>
+  </p:clrMapOvr>
+  <p:timing>
+    <p:tnLst>
+      <p:par>
+        <p:cTn id="1" dur="indefinite" restart="never" nodeType="tmRoot"/>
+      </p:par>
+    </p:tnLst>
+  </p:timing>
+</p:sld>
+</file>
+
+<file path=ppt/slides/slide21.xml><?xml version="1.0" encoding="utf-8"?>
+<p:sld xmlns:a="http://schemas.openxmlformats.org/drawingml/2006/main" xmlns:r="http://schemas.openxmlformats.org/officeDocument/2006/relationships" xmlns:p="http://schemas.openxmlformats.org/presentationml/2006/main">
+  <p:cSld>
+    <p:spTree>
+      <p:nvGrpSpPr>
+        <p:cNvPr id="1" name=""/>
+        <p:cNvGrpSpPr/>
+        <p:nvPr/>
+      </p:nvGrpSpPr>
+      <p:grpSpPr>
+        <a:xfrm>
+          <a:off x="0" y="0"/>
+          <a:ext cx="0" cy="0"/>
+          <a:chOff x="0" y="0"/>
+          <a:chExt cx="0" cy="0"/>
+        </a:xfrm>
+      </p:grpSpPr>
+      <p:sp>
+        <p:nvSpPr>
+          <p:cNvPr id="2" name="Title 1">
+            <a:extLst>
+              <a:ext uri="{FF2B5EF4-FFF2-40B4-BE49-F238E27FC236}">
+                <a16:creationId xmlns:a16="http://schemas.microsoft.com/office/drawing/2014/main" id="{212A6730-5296-4FC4-BDFC-A4FA36C3F543}"/>
+              </a:ext>
+            </a:extLst>
+          </p:cNvPr>
+          <p:cNvSpPr>
+            <a:spLocks noGrp="1"/>
+          </p:cNvSpPr>
+          <p:nvPr>
+            <p:ph type="title"/>
+          </p:nvPr>
+        </p:nvSpPr>
+        <p:spPr/>
+        <p:txBody>
+          <a:bodyPr/>
+          <a:lstStyle/>
+          <a:p>
+            <a:r>
+              <a:rPr lang="en-US" dirty="0"/>
+              <a:t>Unit Tests</a:t>
+            </a:r>
+          </a:p>
+        </p:txBody>
+      </p:sp>
+      <p:sp>
+        <p:nvSpPr>
+          <p:cNvPr id="3" name="Content Placeholder 2">
+            <a:extLst>
+              <a:ext uri="{FF2B5EF4-FFF2-40B4-BE49-F238E27FC236}">
+                <a16:creationId xmlns:a16="http://schemas.microsoft.com/office/drawing/2014/main" id="{7BA974A3-1D19-4E8E-B316-C120725102A7}"/>
+              </a:ext>
+            </a:extLst>
+          </p:cNvPr>
+          <p:cNvSpPr>
+            <a:spLocks noGrp="1"/>
+          </p:cNvSpPr>
+          <p:nvPr>
+            <p:ph idx="1"/>
+          </p:nvPr>
+        </p:nvSpPr>
+        <p:spPr/>
+        <p:txBody>
+          <a:bodyPr/>
+          <a:lstStyle/>
+          <a:p>
+            <a:r>
+              <a:rPr lang="en-US" dirty="0"/>
+              <a:t>TODO</a:t>
+            </a:r>
+          </a:p>
+          <a:p>
+            <a:endParaRPr lang="en-US" dirty="0"/>
+          </a:p>
+        </p:txBody>
+      </p:sp>
+      <p:pic>
+        <p:nvPicPr>
+          <p:cNvPr id="4" name="Picture 3">
+            <a:extLst>
+              <a:ext uri="{FF2B5EF4-FFF2-40B4-BE49-F238E27FC236}">
+                <a16:creationId xmlns:a16="http://schemas.microsoft.com/office/drawing/2014/main" id="{CBF3C293-699A-4BDD-BC96-2728AB3E59AA}"/>
+              </a:ext>
+            </a:extLst>
+          </p:cNvPr>
+          <p:cNvPicPr>
+            <a:picLocks noChangeAspect="1"/>
+          </p:cNvPicPr>
+          <p:nvPr/>
+        </p:nvPicPr>
+        <p:blipFill>
+          <a:blip r:embed="rId2"/>
+          <a:stretch>
+            <a:fillRect/>
+          </a:stretch>
+        </p:blipFill>
+        <p:spPr>
+          <a:xfrm>
+            <a:off x="3657600" y="2276937"/>
+            <a:ext cx="4876800" cy="3648075"/>
+          </a:xfrm>
+          <a:prstGeom prst="rect">
+            <a:avLst/>
+          </a:prstGeom>
+        </p:spPr>
+      </p:pic>
+    </p:spTree>
+    <p:extLst>
+      <p:ext uri="{BB962C8B-B14F-4D97-AF65-F5344CB8AC3E}">
+        <p14:creationId xmlns:p14="http://schemas.microsoft.com/office/powerpoint/2010/main" val="833500454"/>
+      </p:ext>
+    </p:extLst>
+  </p:cSld>
+  <p:clrMapOvr>
+    <a:masterClrMapping/>
+  </p:clrMapOvr>
+  <p:timing>
+    <p:tnLst>
+      <p:par>
+        <p:cTn id="1" dur="indefinite" restart="never" nodeType="tmRoot"/>
+      </p:par>
+    </p:tnLst>
+  </p:timing>
+</p:sld>
+</file>
+
+<file path=ppt/slides/slide22.xml><?xml version="1.0" encoding="utf-8"?>
+<p:sld xmlns:a="http://schemas.openxmlformats.org/drawingml/2006/main" xmlns:r="http://schemas.openxmlformats.org/officeDocument/2006/relationships" xmlns:p="http://schemas.openxmlformats.org/presentationml/2006/main">
+  <p:cSld>
+    <p:spTree>
+      <p:nvGrpSpPr>
+        <p:cNvPr id="1" name=""/>
+        <p:cNvGrpSpPr/>
+        <p:nvPr/>
+      </p:nvGrpSpPr>
+      <p:grpSpPr>
+        <a:xfrm>
+          <a:off x="0" y="0"/>
+          <a:ext cx="0" cy="0"/>
+          <a:chOff x="0" y="0"/>
+          <a:chExt cx="0" cy="0"/>
+        </a:xfrm>
+      </p:grpSpPr>
+      <p:sp>
+        <p:nvSpPr>
           <p:cNvPr id="2" name="Title 1">
             <a:extLst>
               <a:ext uri="{FF2B5EF4-FFF2-40B4-BE49-F238E27FC236}">
@@ -10373,7 +11465,12 @@
             <p:ph idx="1"/>
           </p:nvPr>
         </p:nvSpPr>
-        <p:spPr/>
+        <p:spPr>
+          <a:xfrm>
+            <a:off x="677334" y="1646239"/>
+            <a:ext cx="8596668" cy="3880773"/>
+          </a:xfrm>
+        </p:spPr>
         <p:txBody>
           <a:bodyPr>
             <a:normAutofit lnSpcReduction="10000"/>
@@ -10448,6 +11545,13 @@
   <p:clrMapOvr>
     <a:masterClrMapping/>
   </p:clrMapOvr>
+  <p:timing>
+    <p:tnLst>
+      <p:par>
+        <p:cTn id="1" dur="indefinite" restart="never" nodeType="tmRoot"/>
+      </p:par>
+    </p:tnLst>
+  </p:timing>
 </p:sld>
 </file>
 
@@ -12082,7 +13186,15 @@
             </a:r>
             <a:r>
               <a:rPr lang="en-US" sz="1600" dirty="0"/>
-              <a:t> allow us to map our beans to different environments: </a:t>
+              <a:t> </a:t>
+            </a:r>
+            <a:r>
+              <a:rPr lang="en-US" sz="1600" dirty="0" smtClean="0"/>
+              <a:t>map beans </a:t>
+            </a:r>
+            <a:r>
+              <a:rPr lang="en-US" sz="1600" dirty="0"/>
+              <a:t>to different environments: </a:t>
             </a:r>
           </a:p>
           <a:p>
@@ -12667,15 +13779,305 @@
           <a:chExt cx="0" cy="0"/>
         </a:xfrm>
       </p:grpSpPr>
-      <p:pic>
-        <p:nvPicPr>
-          <p:cNvPr id="13" name="Picture 12">
+      <p:sp>
+        <p:nvSpPr>
+          <p:cNvPr id="2" name="Title 1"/>
+          <p:cNvSpPr>
+            <a:spLocks noGrp="1"/>
+          </p:cNvSpPr>
+          <p:nvPr>
+            <p:ph type="title"/>
+          </p:nvPr>
+        </p:nvSpPr>
+        <p:spPr/>
+        <p:txBody>
+          <a:bodyPr/>
+          <a:lstStyle/>
+          <a:p>
+            <a:r>
+              <a:rPr lang="en-US" dirty="0" smtClean="0"/>
+              <a:t>Spring Boot Configurations</a:t>
+            </a:r>
+            <a:endParaRPr lang="pl-PL" dirty="0"/>
+          </a:p>
+        </p:txBody>
+      </p:sp>
+      <p:sp>
+        <p:nvSpPr>
+          <p:cNvPr id="5" name="Content Placeholder 2">
             <a:extLst>
               <a:ext uri="{FF2B5EF4-FFF2-40B4-BE49-F238E27FC236}">
-                <a16:creationId xmlns:a16="http://schemas.microsoft.com/office/drawing/2014/main" id="{3D29427E-4176-42BB-A047-383C7AA34BB6}"/>
+                <a16:creationId xmlns:a16="http://schemas.microsoft.com/office/drawing/2014/main" id="{3E4D4252-2AEC-4364-8304-EB1667B2126C}"/>
               </a:ext>
             </a:extLst>
           </p:cNvPr>
+          <p:cNvSpPr txBox="1">
+            <a:spLocks/>
+          </p:cNvSpPr>
+          <p:nvPr/>
+        </p:nvSpPr>
+        <p:spPr>
+          <a:xfrm>
+            <a:off x="677334" y="1689534"/>
+            <a:ext cx="5734896" cy="4448376"/>
+          </a:xfrm>
+          <a:prstGeom prst="rect">
+            <a:avLst/>
+          </a:prstGeom>
+        </p:spPr>
+        <p:txBody>
+          <a:bodyPr vert="horz" lIns="91440" tIns="45720" rIns="91440" bIns="45720" rtlCol="0">
+            <a:normAutofit/>
+          </a:bodyPr>
+          <a:lstStyle>
+            <a:lvl1pPr marL="342900" indent="-342900" algn="l" defTabSz="457200" rtl="0" eaLnBrk="1" latinLnBrk="0" hangingPunct="1">
+              <a:spcBef>
+                <a:spcPts val="1000"/>
+              </a:spcBef>
+              <a:spcAft>
+                <a:spcPts val="0"/>
+              </a:spcAft>
+              <a:buClr>
+                <a:schemeClr val="accent1"/>
+              </a:buClr>
+              <a:buSzPct val="80000"/>
+              <a:buFont typeface="Wingdings 3" charset="2"/>
+              <a:buChar char=""/>
+              <a:defRPr sz="1800" kern="1200">
+                <a:solidFill>
+                  <a:schemeClr val="tx1">
+                    <a:lumMod val="75000"/>
+                    <a:lumOff val="25000"/>
+                  </a:schemeClr>
+                </a:solidFill>
+                <a:latin typeface="+mn-lt"/>
+                <a:ea typeface="+mn-ea"/>
+                <a:cs typeface="+mn-cs"/>
+              </a:defRPr>
+            </a:lvl1pPr>
+            <a:lvl2pPr marL="742950" indent="-285750" algn="l" defTabSz="457200" rtl="0" eaLnBrk="1" latinLnBrk="0" hangingPunct="1">
+              <a:spcBef>
+                <a:spcPts val="1000"/>
+              </a:spcBef>
+              <a:spcAft>
+                <a:spcPts val="0"/>
+              </a:spcAft>
+              <a:buClr>
+                <a:schemeClr val="accent1"/>
+              </a:buClr>
+              <a:buSzPct val="80000"/>
+              <a:buFont typeface="Wingdings 3" charset="2"/>
+              <a:buChar char=""/>
+              <a:defRPr sz="1600" kern="1200">
+                <a:solidFill>
+                  <a:schemeClr val="tx1">
+                    <a:lumMod val="75000"/>
+                    <a:lumOff val="25000"/>
+                  </a:schemeClr>
+                </a:solidFill>
+                <a:latin typeface="+mn-lt"/>
+                <a:ea typeface="+mn-ea"/>
+                <a:cs typeface="+mn-cs"/>
+              </a:defRPr>
+            </a:lvl2pPr>
+            <a:lvl3pPr marL="1143000" indent="-228600" algn="l" defTabSz="457200" rtl="0" eaLnBrk="1" latinLnBrk="0" hangingPunct="1">
+              <a:spcBef>
+                <a:spcPts val="1000"/>
+              </a:spcBef>
+              <a:spcAft>
+                <a:spcPts val="0"/>
+              </a:spcAft>
+              <a:buClr>
+                <a:schemeClr val="accent1"/>
+              </a:buClr>
+              <a:buSzPct val="80000"/>
+              <a:buFont typeface="Wingdings 3" charset="2"/>
+              <a:buChar char=""/>
+              <a:defRPr sz="1400" kern="1200">
+                <a:solidFill>
+                  <a:schemeClr val="tx1">
+                    <a:lumMod val="75000"/>
+                    <a:lumOff val="25000"/>
+                  </a:schemeClr>
+                </a:solidFill>
+                <a:latin typeface="+mn-lt"/>
+                <a:ea typeface="+mn-ea"/>
+                <a:cs typeface="+mn-cs"/>
+              </a:defRPr>
+            </a:lvl3pPr>
+            <a:lvl4pPr marL="1600200" indent="-228600" algn="l" defTabSz="457200" rtl="0" eaLnBrk="1" latinLnBrk="0" hangingPunct="1">
+              <a:spcBef>
+                <a:spcPts val="1000"/>
+              </a:spcBef>
+              <a:spcAft>
+                <a:spcPts val="0"/>
+              </a:spcAft>
+              <a:buClr>
+                <a:schemeClr val="accent1"/>
+              </a:buClr>
+              <a:buSzPct val="80000"/>
+              <a:buFont typeface="Wingdings 3" charset="2"/>
+              <a:buChar char=""/>
+              <a:defRPr sz="1200" kern="1200">
+                <a:solidFill>
+                  <a:schemeClr val="tx1">
+                    <a:lumMod val="75000"/>
+                    <a:lumOff val="25000"/>
+                  </a:schemeClr>
+                </a:solidFill>
+                <a:latin typeface="+mn-lt"/>
+                <a:ea typeface="+mn-ea"/>
+                <a:cs typeface="+mn-cs"/>
+              </a:defRPr>
+            </a:lvl4pPr>
+            <a:lvl5pPr marL="2057400" indent="-228600" algn="l" defTabSz="457200" rtl="0" eaLnBrk="1" latinLnBrk="0" hangingPunct="1">
+              <a:spcBef>
+                <a:spcPts val="1000"/>
+              </a:spcBef>
+              <a:spcAft>
+                <a:spcPts val="0"/>
+              </a:spcAft>
+              <a:buClr>
+                <a:schemeClr val="accent1"/>
+              </a:buClr>
+              <a:buSzPct val="80000"/>
+              <a:buFont typeface="Wingdings 3" charset="2"/>
+              <a:buChar char=""/>
+              <a:defRPr sz="1200" kern="1200">
+                <a:solidFill>
+                  <a:schemeClr val="tx1">
+                    <a:lumMod val="75000"/>
+                    <a:lumOff val="25000"/>
+                  </a:schemeClr>
+                </a:solidFill>
+                <a:latin typeface="+mn-lt"/>
+                <a:ea typeface="+mn-ea"/>
+                <a:cs typeface="+mn-cs"/>
+              </a:defRPr>
+            </a:lvl5pPr>
+            <a:lvl6pPr marL="2514600" indent="-228600" algn="l" defTabSz="457200" rtl="0" eaLnBrk="1" latinLnBrk="0" hangingPunct="1">
+              <a:spcBef>
+                <a:spcPts val="1000"/>
+              </a:spcBef>
+              <a:spcAft>
+                <a:spcPts val="0"/>
+              </a:spcAft>
+              <a:buClr>
+                <a:schemeClr val="accent1"/>
+              </a:buClr>
+              <a:buSzPct val="80000"/>
+              <a:buFont typeface="Wingdings 3" charset="2"/>
+              <a:buChar char=""/>
+              <a:defRPr sz="1200" kern="1200">
+                <a:solidFill>
+                  <a:schemeClr val="tx1">
+                    <a:lumMod val="75000"/>
+                    <a:lumOff val="25000"/>
+                  </a:schemeClr>
+                </a:solidFill>
+                <a:latin typeface="+mn-lt"/>
+                <a:ea typeface="+mn-ea"/>
+                <a:cs typeface="+mn-cs"/>
+              </a:defRPr>
+            </a:lvl6pPr>
+            <a:lvl7pPr marL="2971800" indent="-228600" algn="l" defTabSz="457200" rtl="0" eaLnBrk="1" latinLnBrk="0" hangingPunct="1">
+              <a:spcBef>
+                <a:spcPts val="1000"/>
+              </a:spcBef>
+              <a:spcAft>
+                <a:spcPts val="0"/>
+              </a:spcAft>
+              <a:buClr>
+                <a:schemeClr val="accent1"/>
+              </a:buClr>
+              <a:buSzPct val="80000"/>
+              <a:buFont typeface="Wingdings 3" charset="2"/>
+              <a:buChar char=""/>
+              <a:defRPr sz="1200" kern="1200">
+                <a:solidFill>
+                  <a:schemeClr val="tx1">
+                    <a:lumMod val="75000"/>
+                    <a:lumOff val="25000"/>
+                  </a:schemeClr>
+                </a:solidFill>
+                <a:latin typeface="+mn-lt"/>
+                <a:ea typeface="+mn-ea"/>
+                <a:cs typeface="+mn-cs"/>
+              </a:defRPr>
+            </a:lvl7pPr>
+            <a:lvl8pPr marL="3429000" indent="-228600" algn="l" defTabSz="457200" rtl="0" eaLnBrk="1" latinLnBrk="0" hangingPunct="1">
+              <a:spcBef>
+                <a:spcPts val="1000"/>
+              </a:spcBef>
+              <a:spcAft>
+                <a:spcPts val="0"/>
+              </a:spcAft>
+              <a:buClr>
+                <a:schemeClr val="accent1"/>
+              </a:buClr>
+              <a:buSzPct val="80000"/>
+              <a:buFont typeface="Wingdings 3" charset="2"/>
+              <a:buChar char=""/>
+              <a:defRPr sz="1200" kern="1200">
+                <a:solidFill>
+                  <a:schemeClr val="tx1">
+                    <a:lumMod val="75000"/>
+                    <a:lumOff val="25000"/>
+                  </a:schemeClr>
+                </a:solidFill>
+                <a:latin typeface="+mn-lt"/>
+                <a:ea typeface="+mn-ea"/>
+                <a:cs typeface="+mn-cs"/>
+              </a:defRPr>
+            </a:lvl8pPr>
+            <a:lvl9pPr marL="3886200" indent="-228600" algn="l" defTabSz="457200" rtl="0" eaLnBrk="1" latinLnBrk="0" hangingPunct="1">
+              <a:spcBef>
+                <a:spcPts val="1000"/>
+              </a:spcBef>
+              <a:spcAft>
+                <a:spcPts val="0"/>
+              </a:spcAft>
+              <a:buClr>
+                <a:schemeClr val="accent1"/>
+              </a:buClr>
+              <a:buSzPct val="80000"/>
+              <a:buFont typeface="Wingdings 3" charset="2"/>
+              <a:buChar char=""/>
+              <a:defRPr sz="1200" kern="1200">
+                <a:solidFill>
+                  <a:schemeClr val="tx1">
+                    <a:lumMod val="75000"/>
+                    <a:lumOff val="25000"/>
+                  </a:schemeClr>
+                </a:solidFill>
+                <a:latin typeface="+mn-lt"/>
+                <a:ea typeface="+mn-ea"/>
+                <a:cs typeface="+mn-cs"/>
+              </a:defRPr>
+            </a:lvl9pPr>
+          </a:lstStyle>
+          <a:p>
+            <a:r>
+              <a:rPr lang="en-US" sz="2000" dirty="0" smtClean="0"/>
+              <a:t>Depending on included starters there are more than 300 </a:t>
+            </a:r>
+            <a:r>
+              <a:rPr lang="en-US" sz="2000" dirty="0"/>
+              <a:t>Spring configuration parameters are defined by default</a:t>
+            </a:r>
+          </a:p>
+          <a:p>
+            <a:r>
+              <a:rPr lang="en-US" sz="2000" dirty="0" smtClean="0"/>
+              <a:t>In most cases you should just find and modify existing configuration to enable/disable/change behavior of most features</a:t>
+            </a:r>
+            <a:endParaRPr lang="en-US" sz="2000" dirty="0"/>
+          </a:p>
+        </p:txBody>
+      </p:sp>
+      <p:pic>
+        <p:nvPicPr>
+          <p:cNvPr id="7" name="Picture 6"/>
           <p:cNvPicPr>
             <a:picLocks noChangeAspect="1"/>
           </p:cNvPicPr>
@@ -12689,442 +14091,18 @@
         </p:blipFill>
         <p:spPr>
           <a:xfrm>
-            <a:off x="6794160" y="4134859"/>
-            <a:ext cx="1857375" cy="1390650"/>
+            <a:off x="6646305" y="1930400"/>
+            <a:ext cx="5255394" cy="3413760"/>
           </a:xfrm>
           <a:prstGeom prst="rect">
             <a:avLst/>
           </a:prstGeom>
-          <a:ln>
-            <a:noFill/>
-          </a:ln>
-          <a:effectLst>
-            <a:outerShdw blurRad="190500" algn="tl" rotWithShape="0">
-              <a:srgbClr val="000000">
-                <a:alpha val="70000"/>
-              </a:srgbClr>
-            </a:outerShdw>
-          </a:effectLst>
         </p:spPr>
       </p:pic>
-      <p:pic>
-        <p:nvPicPr>
-          <p:cNvPr id="23" name="Picture 22">
-            <a:extLst>
-              <a:ext uri="{FF2B5EF4-FFF2-40B4-BE49-F238E27FC236}">
-                <a16:creationId xmlns:a16="http://schemas.microsoft.com/office/drawing/2014/main" id="{55AA9A2B-FA55-49AD-9048-D639AABC612A}"/>
-              </a:ext>
-            </a:extLst>
-          </p:cNvPr>
-          <p:cNvPicPr>
-            <a:picLocks noChangeAspect="1"/>
-          </p:cNvPicPr>
-          <p:nvPr/>
-        </p:nvPicPr>
-        <p:blipFill>
-          <a:blip r:embed="rId3"/>
-          <a:stretch>
-            <a:fillRect/>
-          </a:stretch>
-        </p:blipFill>
-        <p:spPr>
-          <a:xfrm>
-            <a:off x="1103615" y="4125623"/>
-            <a:ext cx="4943475" cy="1714500"/>
-          </a:xfrm>
-          <a:prstGeom prst="rect">
-            <a:avLst/>
-          </a:prstGeom>
-          <a:ln>
-            <a:noFill/>
-          </a:ln>
-          <a:effectLst>
-            <a:outerShdw blurRad="190500" algn="tl" rotWithShape="0">
-              <a:srgbClr val="000000">
-                <a:alpha val="70000"/>
-              </a:srgbClr>
-            </a:outerShdw>
-          </a:effectLst>
-        </p:spPr>
-      </p:pic>
-      <p:sp>
-        <p:nvSpPr>
-          <p:cNvPr id="2" name="Title 1">
-            <a:extLst>
-              <a:ext uri="{FF2B5EF4-FFF2-40B4-BE49-F238E27FC236}">
-                <a16:creationId xmlns:a16="http://schemas.microsoft.com/office/drawing/2014/main" id="{F5C9753E-C30E-4A6D-841C-112CEF422823}"/>
-              </a:ext>
-            </a:extLst>
-          </p:cNvPr>
-          <p:cNvSpPr>
-            <a:spLocks noGrp="1"/>
-          </p:cNvSpPr>
-          <p:nvPr>
-            <p:ph type="title"/>
-          </p:nvPr>
-        </p:nvSpPr>
-        <p:spPr/>
-        <p:txBody>
-          <a:bodyPr/>
-          <a:lstStyle/>
-          <a:p>
-            <a:r>
-              <a:rPr lang="en-US" dirty="0"/>
-              <a:t>Application Configuration Example</a:t>
-            </a:r>
-          </a:p>
-        </p:txBody>
-      </p:sp>
-      <p:sp>
-        <p:nvSpPr>
-          <p:cNvPr id="6" name="TextBox 5">
-            <a:extLst>
-              <a:ext uri="{FF2B5EF4-FFF2-40B4-BE49-F238E27FC236}">
-                <a16:creationId xmlns:a16="http://schemas.microsoft.com/office/drawing/2014/main" id="{CFF1C7B0-1A59-4A93-9C33-4CEF231902D9}"/>
-              </a:ext>
-            </a:extLst>
-          </p:cNvPr>
-          <p:cNvSpPr txBox="1"/>
-          <p:nvPr/>
-        </p:nvSpPr>
-        <p:spPr>
-          <a:xfrm>
-            <a:off x="2768417" y="5513964"/>
-            <a:ext cx="6655166" cy="276999"/>
-          </a:xfrm>
-          <a:prstGeom prst="rect">
-            <a:avLst/>
-          </a:prstGeom>
-          <a:noFill/>
-        </p:spPr>
-        <p:txBody>
-          <a:bodyPr wrap="square" rtlCol="0">
-            <a:spAutoFit/>
-          </a:bodyPr>
-          <a:lstStyle/>
-          <a:p>
-            <a:endParaRPr lang="en-US" sz="1200" dirty="0"/>
-          </a:p>
-        </p:txBody>
-      </p:sp>
-      <p:cxnSp>
-        <p:nvCxnSpPr>
-          <p:cNvPr id="15" name="Straight Arrow Connector 14">
-            <a:extLst>
-              <a:ext uri="{FF2B5EF4-FFF2-40B4-BE49-F238E27FC236}">
-                <a16:creationId xmlns:a16="http://schemas.microsoft.com/office/drawing/2014/main" id="{99911C1B-3BFE-4C2B-8664-1DB6718DCF3D}"/>
-              </a:ext>
-            </a:extLst>
-          </p:cNvPr>
-          <p:cNvCxnSpPr/>
-          <p:nvPr/>
-        </p:nvCxnSpPr>
-        <p:spPr>
-          <a:xfrm flipH="1">
-            <a:off x="3962400" y="4230255"/>
-            <a:ext cx="2868704" cy="0"/>
-          </a:xfrm>
-          <a:prstGeom prst="straightConnector1">
-            <a:avLst/>
-          </a:prstGeom>
-          <a:ln>
-            <a:tailEnd type="triangle"/>
-          </a:ln>
-        </p:spPr>
-        <p:style>
-          <a:lnRef idx="1">
-            <a:schemeClr val="accent1"/>
-          </a:lnRef>
-          <a:fillRef idx="0">
-            <a:schemeClr val="accent1"/>
-          </a:fillRef>
-          <a:effectRef idx="0">
-            <a:schemeClr val="accent1"/>
-          </a:effectRef>
-          <a:fontRef idx="minor">
-            <a:schemeClr val="tx1"/>
-          </a:fontRef>
-        </p:style>
-      </p:cxnSp>
-      <p:cxnSp>
-        <p:nvCxnSpPr>
-          <p:cNvPr id="17" name="Straight Arrow Connector 16">
-            <a:extLst>
-              <a:ext uri="{FF2B5EF4-FFF2-40B4-BE49-F238E27FC236}">
-                <a16:creationId xmlns:a16="http://schemas.microsoft.com/office/drawing/2014/main" id="{0D20E0D7-DEC0-4217-8AE9-EEB534CFE900}"/>
-              </a:ext>
-            </a:extLst>
-          </p:cNvPr>
-          <p:cNvCxnSpPr/>
-          <p:nvPr/>
-        </p:nvCxnSpPr>
-        <p:spPr>
-          <a:xfrm flipH="1">
-            <a:off x="4729018" y="4378036"/>
-            <a:ext cx="2262909" cy="766619"/>
-          </a:xfrm>
-          <a:prstGeom prst="straightConnector1">
-            <a:avLst/>
-          </a:prstGeom>
-          <a:ln>
-            <a:tailEnd type="triangle"/>
-          </a:ln>
-        </p:spPr>
-        <p:style>
-          <a:lnRef idx="1">
-            <a:schemeClr val="accent1"/>
-          </a:lnRef>
-          <a:fillRef idx="0">
-            <a:schemeClr val="accent1"/>
-          </a:fillRef>
-          <a:effectRef idx="0">
-            <a:schemeClr val="accent1"/>
-          </a:effectRef>
-          <a:fontRef idx="minor">
-            <a:schemeClr val="tx1"/>
-          </a:fontRef>
-        </p:style>
-      </p:cxnSp>
-      <p:cxnSp>
-        <p:nvCxnSpPr>
-          <p:cNvPr id="18" name="Straight Arrow Connector 17">
-            <a:extLst>
-              <a:ext uri="{FF2B5EF4-FFF2-40B4-BE49-F238E27FC236}">
-                <a16:creationId xmlns:a16="http://schemas.microsoft.com/office/drawing/2014/main" id="{0782B469-1E1C-481D-80DF-41E887A9BDC0}"/>
-              </a:ext>
-            </a:extLst>
-          </p:cNvPr>
-          <p:cNvCxnSpPr>
-            <a:cxnSpLocks/>
-          </p:cNvCxnSpPr>
-          <p:nvPr/>
-        </p:nvCxnSpPr>
-        <p:spPr>
-          <a:xfrm flipH="1">
-            <a:off x="5200073" y="4599565"/>
-            <a:ext cx="1791855" cy="784127"/>
-          </a:xfrm>
-          <a:prstGeom prst="straightConnector1">
-            <a:avLst/>
-          </a:prstGeom>
-          <a:ln>
-            <a:tailEnd type="triangle"/>
-          </a:ln>
-        </p:spPr>
-        <p:style>
-          <a:lnRef idx="1">
-            <a:schemeClr val="accent1"/>
-          </a:lnRef>
-          <a:fillRef idx="0">
-            <a:schemeClr val="accent1"/>
-          </a:fillRef>
-          <a:effectRef idx="0">
-            <a:schemeClr val="accent1"/>
-          </a:effectRef>
-          <a:fontRef idx="minor">
-            <a:schemeClr val="tx1"/>
-          </a:fontRef>
-        </p:style>
-      </p:cxnSp>
-      <p:cxnSp>
-        <p:nvCxnSpPr>
-          <p:cNvPr id="21" name="Straight Arrow Connector 20">
-            <a:extLst>
-              <a:ext uri="{FF2B5EF4-FFF2-40B4-BE49-F238E27FC236}">
-                <a16:creationId xmlns:a16="http://schemas.microsoft.com/office/drawing/2014/main" id="{2F339E48-D6DE-4FCA-A3F0-11E08C8CF0F6}"/>
-              </a:ext>
-            </a:extLst>
-          </p:cNvPr>
-          <p:cNvCxnSpPr>
-            <a:cxnSpLocks/>
-          </p:cNvCxnSpPr>
-          <p:nvPr/>
-        </p:nvCxnSpPr>
-        <p:spPr>
-          <a:xfrm flipH="1">
-            <a:off x="5200073" y="4991628"/>
-            <a:ext cx="1791856" cy="591926"/>
-          </a:xfrm>
-          <a:prstGeom prst="straightConnector1">
-            <a:avLst/>
-          </a:prstGeom>
-          <a:ln>
-            <a:tailEnd type="triangle"/>
-          </a:ln>
-        </p:spPr>
-        <p:style>
-          <a:lnRef idx="1">
-            <a:schemeClr val="accent1"/>
-          </a:lnRef>
-          <a:fillRef idx="0">
-            <a:schemeClr val="accent1"/>
-          </a:fillRef>
-          <a:effectRef idx="0">
-            <a:schemeClr val="accent1"/>
-          </a:effectRef>
-          <a:fontRef idx="minor">
-            <a:schemeClr val="tx1"/>
-          </a:fontRef>
-        </p:style>
-      </p:cxnSp>
-      <p:sp>
-        <p:nvSpPr>
-          <p:cNvPr id="24" name="Content Placeholder 2">
-            <a:extLst>
-              <a:ext uri="{FF2B5EF4-FFF2-40B4-BE49-F238E27FC236}">
-                <a16:creationId xmlns:a16="http://schemas.microsoft.com/office/drawing/2014/main" id="{8F78055A-51C3-430E-8B41-692582160E02}"/>
-              </a:ext>
-            </a:extLst>
-          </p:cNvPr>
-          <p:cNvSpPr>
-            <a:spLocks noGrp="1"/>
-          </p:cNvSpPr>
-          <p:nvPr>
-            <p:ph idx="1"/>
-          </p:nvPr>
-        </p:nvSpPr>
-        <p:spPr>
-          <a:xfrm>
-            <a:off x="677334" y="1689534"/>
-            <a:ext cx="8596668" cy="3880773"/>
-          </a:xfrm>
-        </p:spPr>
-        <p:txBody>
-          <a:bodyPr>
-            <a:normAutofit/>
-          </a:bodyPr>
-          <a:lstStyle/>
-          <a:p>
-            <a:r>
-              <a:rPr lang="en-US" sz="1600" dirty="0"/>
-              <a:t>Direct access to config parameter from component</a:t>
-            </a:r>
-          </a:p>
-          <a:p>
-            <a:endParaRPr lang="en-US" sz="1600" u="sng" dirty="0">
-              <a:latin typeface="Courier New" panose="02070309020205020404" pitchFamily="49" charset="0"/>
-              <a:cs typeface="Courier New" panose="02070309020205020404" pitchFamily="49" charset="0"/>
-            </a:endParaRPr>
-          </a:p>
-          <a:p>
-            <a:endParaRPr lang="en-US" sz="1600" u="sng" dirty="0">
-              <a:latin typeface="Courier New" panose="02070309020205020404" pitchFamily="49" charset="0"/>
-              <a:cs typeface="Courier New" panose="02070309020205020404" pitchFamily="49" charset="0"/>
-            </a:endParaRPr>
-          </a:p>
-          <a:p>
-            <a:endParaRPr lang="en-US" sz="1600" u="sng" dirty="0">
-              <a:latin typeface="Courier New" panose="02070309020205020404" pitchFamily="49" charset="0"/>
-              <a:cs typeface="Courier New" panose="02070309020205020404" pitchFamily="49" charset="0"/>
-            </a:endParaRPr>
-          </a:p>
-          <a:p>
-            <a:endParaRPr lang="en-US" sz="1400" u="sng" dirty="0">
-              <a:latin typeface="Courier New" panose="02070309020205020404" pitchFamily="49" charset="0"/>
-              <a:cs typeface="Courier New" panose="02070309020205020404" pitchFamily="49" charset="0"/>
-            </a:endParaRPr>
-          </a:p>
-          <a:p>
-            <a:r>
-              <a:rPr lang="en-US" sz="1600" dirty="0"/>
-              <a:t>Type-safe Configuration: </a:t>
-            </a:r>
-            <a:r>
-              <a:rPr lang="en-US" sz="1200" dirty="0"/>
-              <a:t>Spring Boot provides an alternative method of working with properties that lets strongly typed beans govern and validate the configuration of your application</a:t>
-            </a:r>
-            <a:endParaRPr lang="en-US" sz="1050" dirty="0">
-              <a:latin typeface="Courier New" panose="02070309020205020404" pitchFamily="49" charset="0"/>
-              <a:cs typeface="Courier New" panose="02070309020205020404" pitchFamily="49" charset="0"/>
-            </a:endParaRPr>
-          </a:p>
-        </p:txBody>
-      </p:sp>
-      <p:pic>
-        <p:nvPicPr>
-          <p:cNvPr id="29" name="Picture 28">
-            <a:extLst>
-              <a:ext uri="{FF2B5EF4-FFF2-40B4-BE49-F238E27FC236}">
-                <a16:creationId xmlns:a16="http://schemas.microsoft.com/office/drawing/2014/main" id="{86D86A09-EFE5-42A7-B021-06200E50FCD0}"/>
-              </a:ext>
-            </a:extLst>
-          </p:cNvPr>
-          <p:cNvPicPr>
-            <a:picLocks noChangeAspect="1"/>
-          </p:cNvPicPr>
-          <p:nvPr/>
-        </p:nvPicPr>
-        <p:blipFill>
-          <a:blip r:embed="rId4"/>
-          <a:stretch>
-            <a:fillRect/>
-          </a:stretch>
-        </p:blipFill>
-        <p:spPr>
-          <a:xfrm>
-            <a:off x="1103615" y="2256127"/>
-            <a:ext cx="2667000" cy="952500"/>
-          </a:xfrm>
-          <a:prstGeom prst="rect">
-            <a:avLst/>
-          </a:prstGeom>
-          <a:ln>
-            <a:noFill/>
-          </a:ln>
-          <a:effectLst>
-            <a:outerShdw blurRad="190500" algn="tl" rotWithShape="0">
-              <a:srgbClr val="000000">
-                <a:alpha val="70000"/>
-              </a:srgbClr>
-            </a:outerShdw>
-          </a:effectLst>
-        </p:spPr>
-      </p:pic>
-      <p:cxnSp>
-        <p:nvCxnSpPr>
-          <p:cNvPr id="26" name="Straight Arrow Connector 25">
-            <a:extLst>
-              <a:ext uri="{FF2B5EF4-FFF2-40B4-BE49-F238E27FC236}">
-                <a16:creationId xmlns:a16="http://schemas.microsoft.com/office/drawing/2014/main" id="{380206E4-B6B4-4517-B4FF-723205F1CD51}"/>
-              </a:ext>
-            </a:extLst>
-          </p:cNvPr>
-          <p:cNvCxnSpPr>
-            <a:cxnSpLocks/>
-          </p:cNvCxnSpPr>
-          <p:nvPr/>
-        </p:nvCxnSpPr>
-        <p:spPr>
-          <a:xfrm flipH="1" flipV="1">
-            <a:off x="3575352" y="2869851"/>
-            <a:ext cx="3333448" cy="1309237"/>
-          </a:xfrm>
-          <a:prstGeom prst="straightConnector1">
-            <a:avLst/>
-          </a:prstGeom>
-          <a:ln>
-            <a:tailEnd type="triangle"/>
-          </a:ln>
-        </p:spPr>
-        <p:style>
-          <a:lnRef idx="1">
-            <a:schemeClr val="accent1"/>
-          </a:lnRef>
-          <a:fillRef idx="0">
-            <a:schemeClr val="accent1"/>
-          </a:fillRef>
-          <a:effectRef idx="0">
-            <a:schemeClr val="accent1"/>
-          </a:effectRef>
-          <a:fontRef idx="minor">
-            <a:schemeClr val="tx1"/>
-          </a:fontRef>
-        </p:style>
-      </p:cxnSp>
     </p:spTree>
     <p:extLst>
       <p:ext uri="{BB962C8B-B14F-4D97-AF65-F5344CB8AC3E}">
-        <p14:creationId xmlns:p14="http://schemas.microsoft.com/office/powerpoint/2010/main" val="1315425320"/>
+        <p14:creationId xmlns:p14="http://schemas.microsoft.com/office/powerpoint/2010/main" val="1669550977"/>
       </p:ext>
     </p:extLst>
   </p:cSld>
